--- a/発表資料/ポスター1205.pptx
+++ b/発表資料/ポスター1205.pptx
@@ -251,7 +251,7 @@
           <a:p>
             <a:fld id="{20C738BE-AC04-DE4E-A362-1A93465F17C9}" type="datetimeFigureOut">
               <a:rPr kumimoji="1" lang="ja-JP" altLang="en-US" smtClean="0"/>
-              <a:t>2023/12/11</a:t>
+              <a:t>2023/12/19</a:t>
             </a:fld>
             <a:endParaRPr kumimoji="1" lang="ja-JP" altLang="en-US"/>
           </a:p>
@@ -453,7 +453,7 @@
           <a:p>
             <a:fld id="{20C738BE-AC04-DE4E-A362-1A93465F17C9}" type="datetimeFigureOut">
               <a:rPr kumimoji="1" lang="ja-JP" altLang="en-US" smtClean="0"/>
-              <a:t>2023/12/11</a:t>
+              <a:t>2023/12/19</a:t>
             </a:fld>
             <a:endParaRPr kumimoji="1" lang="ja-JP" altLang="en-US"/>
           </a:p>
@@ -665,7 +665,7 @@
           <a:p>
             <a:fld id="{20C738BE-AC04-DE4E-A362-1A93465F17C9}" type="datetimeFigureOut">
               <a:rPr kumimoji="1" lang="ja-JP" altLang="en-US" smtClean="0"/>
-              <a:t>2023/12/11</a:t>
+              <a:t>2023/12/19</a:t>
             </a:fld>
             <a:endParaRPr kumimoji="1" lang="ja-JP" altLang="en-US"/>
           </a:p>
@@ -867,7 +867,7 @@
           <a:p>
             <a:fld id="{20C738BE-AC04-DE4E-A362-1A93465F17C9}" type="datetimeFigureOut">
               <a:rPr kumimoji="1" lang="ja-JP" altLang="en-US" smtClean="0"/>
-              <a:t>2023/12/11</a:t>
+              <a:t>2023/12/19</a:t>
             </a:fld>
             <a:endParaRPr kumimoji="1" lang="ja-JP" altLang="en-US"/>
           </a:p>
@@ -1111,7 +1111,7 @@
           <a:p>
             <a:fld id="{20C738BE-AC04-DE4E-A362-1A93465F17C9}" type="datetimeFigureOut">
               <a:rPr kumimoji="1" lang="ja-JP" altLang="en-US" smtClean="0"/>
-              <a:t>2023/12/11</a:t>
+              <a:t>2023/12/19</a:t>
             </a:fld>
             <a:endParaRPr kumimoji="1" lang="ja-JP" altLang="en-US"/>
           </a:p>
@@ -1407,7 +1407,7 @@
           <a:p>
             <a:fld id="{20C738BE-AC04-DE4E-A362-1A93465F17C9}" type="datetimeFigureOut">
               <a:rPr kumimoji="1" lang="ja-JP" altLang="en-US" smtClean="0"/>
-              <a:t>2023/12/11</a:t>
+              <a:t>2023/12/19</a:t>
             </a:fld>
             <a:endParaRPr kumimoji="1" lang="ja-JP" altLang="en-US"/>
           </a:p>
@@ -1838,7 +1838,7 @@
           <a:p>
             <a:fld id="{20C738BE-AC04-DE4E-A362-1A93465F17C9}" type="datetimeFigureOut">
               <a:rPr kumimoji="1" lang="ja-JP" altLang="en-US" smtClean="0"/>
-              <a:t>2023/12/11</a:t>
+              <a:t>2023/12/19</a:t>
             </a:fld>
             <a:endParaRPr kumimoji="1" lang="ja-JP" altLang="en-US"/>
           </a:p>
@@ -1956,7 +1956,7 @@
           <a:p>
             <a:fld id="{20C738BE-AC04-DE4E-A362-1A93465F17C9}" type="datetimeFigureOut">
               <a:rPr kumimoji="1" lang="ja-JP" altLang="en-US" smtClean="0"/>
-              <a:t>2023/12/11</a:t>
+              <a:t>2023/12/19</a:t>
             </a:fld>
             <a:endParaRPr kumimoji="1" lang="ja-JP" altLang="en-US"/>
           </a:p>
@@ -2051,7 +2051,7 @@
           <a:p>
             <a:fld id="{20C738BE-AC04-DE4E-A362-1A93465F17C9}" type="datetimeFigureOut">
               <a:rPr kumimoji="1" lang="ja-JP" altLang="en-US" smtClean="0"/>
-              <a:t>2023/12/11</a:t>
+              <a:t>2023/12/19</a:t>
             </a:fld>
             <a:endParaRPr kumimoji="1" lang="ja-JP" altLang="en-US"/>
           </a:p>
@@ -2360,7 +2360,7 @@
           <a:p>
             <a:fld id="{20C738BE-AC04-DE4E-A362-1A93465F17C9}" type="datetimeFigureOut">
               <a:rPr kumimoji="1" lang="ja-JP" altLang="en-US" smtClean="0"/>
-              <a:t>2023/12/11</a:t>
+              <a:t>2023/12/19</a:t>
             </a:fld>
             <a:endParaRPr kumimoji="1" lang="ja-JP" altLang="en-US"/>
           </a:p>
@@ -2617,7 +2617,7 @@
           <a:p>
             <a:fld id="{20C738BE-AC04-DE4E-A362-1A93465F17C9}" type="datetimeFigureOut">
               <a:rPr kumimoji="1" lang="ja-JP" altLang="en-US" smtClean="0"/>
-              <a:t>2023/12/11</a:t>
+              <a:t>2023/12/19</a:t>
             </a:fld>
             <a:endParaRPr kumimoji="1" lang="ja-JP" altLang="en-US"/>
           </a:p>
@@ -2862,7 +2862,7 @@
           <a:p>
             <a:fld id="{20C738BE-AC04-DE4E-A362-1A93465F17C9}" type="datetimeFigureOut">
               <a:rPr kumimoji="1" lang="ja-JP" altLang="en-US" smtClean="0"/>
-              <a:t>2023/12/11</a:t>
+              <a:t>2023/12/19</a:t>
             </a:fld>
             <a:endParaRPr kumimoji="1" lang="ja-JP" altLang="en-US"/>
           </a:p>
@@ -3267,6 +3267,91 @@
           <a:chExt cx="0" cy="0"/>
         </a:xfrm>
       </p:grpSpPr>
+      <p:pic>
+        <p:nvPicPr>
+          <p:cNvPr id="5" name="図 4">
+            <a:extLst>
+              <a:ext uri="{FF2B5EF4-FFF2-40B4-BE49-F238E27FC236}">
+                <a16:creationId xmlns:a16="http://schemas.microsoft.com/office/drawing/2014/main" id="{29961AEF-3417-1149-8FA0-B1BC1A0A83D0}"/>
+              </a:ext>
+            </a:extLst>
+          </p:cNvPr>
+          <p:cNvPicPr>
+            <a:picLocks noChangeAspect="1"/>
+          </p:cNvPicPr>
+          <p:nvPr/>
+        </p:nvPicPr>
+        <p:blipFill>
+          <a:blip r:embed="rId2"/>
+          <a:stretch>
+            <a:fillRect/>
+          </a:stretch>
+        </p:blipFill>
+        <p:spPr>
+          <a:xfrm>
+            <a:off x="939865" y="30917340"/>
+            <a:ext cx="4899079" cy="3354803"/>
+          </a:xfrm>
+          <a:prstGeom prst="rect">
+            <a:avLst/>
+          </a:prstGeom>
+        </p:spPr>
+      </p:pic>
+      <p:sp>
+        <p:nvSpPr>
+          <p:cNvPr id="17" name="正方形/長方形 16">
+            <a:extLst>
+              <a:ext uri="{FF2B5EF4-FFF2-40B4-BE49-F238E27FC236}">
+                <a16:creationId xmlns:a16="http://schemas.microsoft.com/office/drawing/2014/main" id="{B18F3F51-379B-DCBB-2C68-DAB5AE507A97}"/>
+              </a:ext>
+            </a:extLst>
+          </p:cNvPr>
+          <p:cNvSpPr/>
+          <p:nvPr/>
+        </p:nvSpPr>
+        <p:spPr>
+          <a:xfrm>
+            <a:off x="12061740" y="22835060"/>
+            <a:ext cx="12000407" cy="1707505"/>
+          </a:xfrm>
+          <a:prstGeom prst="rect">
+            <a:avLst/>
+          </a:prstGeom>
+          <a:solidFill>
+            <a:schemeClr val="accent1">
+              <a:lumMod val="20000"/>
+              <a:lumOff val="80000"/>
+            </a:schemeClr>
+          </a:solidFill>
+          <a:ln>
+            <a:noFill/>
+          </a:ln>
+        </p:spPr>
+        <p:style>
+          <a:lnRef idx="2">
+            <a:schemeClr val="accent1">
+              <a:shade val="15000"/>
+            </a:schemeClr>
+          </a:lnRef>
+          <a:fillRef idx="1">
+            <a:schemeClr val="accent1"/>
+          </a:fillRef>
+          <a:effectRef idx="0">
+            <a:schemeClr val="accent1"/>
+          </a:effectRef>
+          <a:fontRef idx="minor">
+            <a:schemeClr val="lt1"/>
+          </a:fontRef>
+        </p:style>
+        <p:txBody>
+          <a:bodyPr rtlCol="0" anchor="ctr"/>
+          <a:lstStyle/>
+          <a:p>
+            <a:pPr algn="ctr"/>
+            <a:endParaRPr kumimoji="1" lang="ja-JP" altLang="en-US"/>
+          </a:p>
+        </p:txBody>
+      </p:sp>
       <p:sp>
         <p:nvSpPr>
           <p:cNvPr id="49" name="正方形/長方形 48">
@@ -3281,8 +3366,8 @@
         </p:nvSpPr>
         <p:spPr>
           <a:xfrm>
-            <a:off x="12061740" y="21269138"/>
-            <a:ext cx="12000407" cy="3213975"/>
+            <a:off x="12061740" y="21269139"/>
+            <a:ext cx="12000407" cy="556736"/>
           </a:xfrm>
           <a:prstGeom prst="rect">
             <a:avLst/>
@@ -3491,8 +3576,8 @@
         </p:nvSpPr>
         <p:spPr>
           <a:xfrm>
-            <a:off x="741395" y="4251070"/>
-            <a:ext cx="30832014" cy="4484413"/>
+            <a:off x="766483" y="4251070"/>
+            <a:ext cx="30806926" cy="4484413"/>
           </a:xfrm>
           <a:prstGeom prst="rect">
             <a:avLst/>
@@ -6560,6 +6645,231 @@
       </p:sp>
       <p:sp>
         <p:nvSpPr>
+          <p:cNvPr id="106" name="テキスト ボックス 105">
+            <a:extLst>
+              <a:ext uri="{FF2B5EF4-FFF2-40B4-BE49-F238E27FC236}">
+                <a16:creationId xmlns:a16="http://schemas.microsoft.com/office/drawing/2014/main" id="{D809AF91-9DF1-319C-2B2C-5C72877F5316}"/>
+              </a:ext>
+            </a:extLst>
+          </p:cNvPr>
+          <p:cNvSpPr txBox="1"/>
+          <p:nvPr/>
+        </p:nvSpPr>
+        <p:spPr>
+          <a:xfrm>
+            <a:off x="784255" y="27185676"/>
+            <a:ext cx="15391449" cy="4093428"/>
+          </a:xfrm>
+          <a:prstGeom prst="rect">
+            <a:avLst/>
+          </a:prstGeom>
+          <a:noFill/>
+        </p:spPr>
+        <p:txBody>
+          <a:bodyPr wrap="square" rtlCol="0">
+            <a:spAutoFit/>
+          </a:bodyPr>
+          <a:lstStyle/>
+          <a:p>
+            <a:r>
+              <a:rPr kumimoji="1" lang="en-US" altLang="ja-JP" sz="4400" dirty="0">
+                <a:solidFill>
+                  <a:schemeClr val="accent5">
+                    <a:lumMod val="75000"/>
+                  </a:schemeClr>
+                </a:solidFill>
+                <a:latin typeface="メイリオ" panose="020B0604030504040204" pitchFamily="50" charset="-128"/>
+                <a:ea typeface="メイリオ" panose="020B0604030504040204" pitchFamily="50" charset="-128"/>
+              </a:rPr>
+              <a:t>▍</a:t>
+            </a:r>
+            <a:r>
+              <a:rPr kumimoji="1" lang="en-US" altLang="ja-JP" sz="4000" dirty="0">
+                <a:solidFill>
+                  <a:schemeClr val="tx1">
+                    <a:lumMod val="85000"/>
+                    <a:lumOff val="15000"/>
+                  </a:schemeClr>
+                </a:solidFill>
+                <a:latin typeface="Hiragino Sans W5" panose="020B0400000000000000" pitchFamily="34" charset="-128"/>
+                <a:ea typeface="Hiragino Sans W5" panose="020B0400000000000000" pitchFamily="34" charset="-128"/>
+              </a:rPr>
+              <a:t>PS-CM</a:t>
+            </a:r>
+          </a:p>
+          <a:p>
+            <a:pPr marL="571500" indent="-571500">
+              <a:buFont typeface="Arial" panose="020B0604020202020204" pitchFamily="34" charset="0"/>
+              <a:buChar char="•"/>
+            </a:pPr>
+            <a:r>
+              <a:rPr kumimoji="1" lang="ja-JP" altLang="en-US" sz="3600">
+                <a:solidFill>
+                  <a:schemeClr val="tx1">
+                    <a:lumMod val="85000"/>
+                    <a:lumOff val="15000"/>
+                  </a:schemeClr>
+                </a:solidFill>
+                <a:latin typeface="Hiragino Sans W5" panose="020B0400000000000000" pitchFamily="34" charset="-128"/>
+                <a:ea typeface="Hiragino Sans W5" panose="020B0400000000000000" pitchFamily="34" charset="-128"/>
+              </a:rPr>
+              <a:t>単峰性，多峰性，混合の全ての関数形状に対してサロゲートの精度が高いほど探索性能が高い傾向が見られた</a:t>
+            </a:r>
+            <a:endParaRPr kumimoji="1" lang="en-US" altLang="ja-JP" sz="3600" dirty="0">
+              <a:solidFill>
+                <a:schemeClr val="tx1">
+                  <a:lumMod val="85000"/>
+                  <a:lumOff val="15000"/>
+                </a:schemeClr>
+              </a:solidFill>
+              <a:latin typeface="Hiragino Sans W5" panose="020B0400000000000000" pitchFamily="34" charset="-128"/>
+              <a:ea typeface="Hiragino Sans W5" panose="020B0400000000000000" pitchFamily="34" charset="-128"/>
+            </a:endParaRPr>
+          </a:p>
+          <a:p>
+            <a:pPr marL="571500" indent="-571500">
+              <a:buFont typeface="Arial" panose="020B0604020202020204" pitchFamily="34" charset="0"/>
+              <a:buChar char="•"/>
+            </a:pPr>
+            <a:r>
+              <a:rPr kumimoji="1" lang="ja-JP" altLang="en-US" sz="3600">
+                <a:solidFill>
+                  <a:schemeClr val="tx1">
+                    <a:lumMod val="85000"/>
+                    <a:lumOff val="15000"/>
+                  </a:schemeClr>
+                </a:solidFill>
+                <a:latin typeface="Hiragino Sans W5" panose="020B0400000000000000" pitchFamily="34" charset="-128"/>
+                <a:ea typeface="Hiragino Sans W5" panose="020B0400000000000000" pitchFamily="34" charset="-128"/>
+              </a:rPr>
+              <a:t>精度が</a:t>
+            </a:r>
+            <a:r>
+              <a:rPr kumimoji="1" lang="en-US" altLang="ja-JP" sz="3600" dirty="0">
+                <a:solidFill>
+                  <a:schemeClr val="tx1">
+                    <a:lumMod val="85000"/>
+                    <a:lumOff val="15000"/>
+                  </a:schemeClr>
+                </a:solidFill>
+                <a:latin typeface="Hiragino Sans W5" panose="020B0400000000000000" pitchFamily="34" charset="-128"/>
+                <a:ea typeface="Hiragino Sans W5" panose="020B0400000000000000" pitchFamily="34" charset="-128"/>
+              </a:rPr>
+              <a:t>0.5</a:t>
+            </a:r>
+            <a:r>
+              <a:rPr kumimoji="1" lang="ja-JP" altLang="en-US" sz="3600">
+                <a:solidFill>
+                  <a:schemeClr val="tx1">
+                    <a:lumMod val="85000"/>
+                    <a:lumOff val="15000"/>
+                  </a:schemeClr>
+                </a:solidFill>
+                <a:latin typeface="Hiragino Sans W5" panose="020B0400000000000000" pitchFamily="34" charset="-128"/>
+                <a:ea typeface="Hiragino Sans W5" panose="020B0400000000000000" pitchFamily="34" charset="-128"/>
+              </a:rPr>
+              <a:t>の場合</a:t>
+            </a:r>
+            <a:r>
+              <a:rPr kumimoji="1" lang="en-US" altLang="ja-JP" sz="3600" dirty="0" err="1">
+                <a:solidFill>
+                  <a:schemeClr val="tx1">
+                    <a:lumMod val="85000"/>
+                    <a:lumOff val="15000"/>
+                  </a:schemeClr>
+                </a:solidFill>
+                <a:latin typeface="Hiragino Sans W5" panose="020B0400000000000000" pitchFamily="34" charset="-128"/>
+                <a:ea typeface="Hiragino Sans W5" panose="020B0400000000000000" pitchFamily="34" charset="-128"/>
+              </a:rPr>
+              <a:t>NoS</a:t>
+            </a:r>
+            <a:r>
+              <a:rPr kumimoji="1" lang="ja-JP" altLang="en-US" sz="3600">
+                <a:solidFill>
+                  <a:schemeClr val="tx1">
+                    <a:lumMod val="85000"/>
+                    <a:lumOff val="15000"/>
+                  </a:schemeClr>
+                </a:solidFill>
+                <a:latin typeface="Hiragino Sans W5" panose="020B0400000000000000" pitchFamily="34" charset="-128"/>
+                <a:ea typeface="Hiragino Sans W5" panose="020B0400000000000000" pitchFamily="34" charset="-128"/>
+              </a:rPr>
+              <a:t>の探索性能と同等か，劣る性能を示す</a:t>
+            </a:r>
+            <a:endParaRPr kumimoji="1" lang="en-US" altLang="ja-JP" sz="3600" dirty="0">
+              <a:solidFill>
+                <a:schemeClr val="tx1">
+                  <a:lumMod val="85000"/>
+                  <a:lumOff val="15000"/>
+                </a:schemeClr>
+              </a:solidFill>
+              <a:latin typeface="Hiragino Sans W5" panose="020B0400000000000000" pitchFamily="34" charset="-128"/>
+              <a:ea typeface="Hiragino Sans W5" panose="020B0400000000000000" pitchFamily="34" charset="-128"/>
+            </a:endParaRPr>
+          </a:p>
+          <a:p>
+            <a:pPr marL="571500" indent="-571500">
+              <a:buFont typeface="Arial" panose="020B0604020202020204" pitchFamily="34" charset="0"/>
+              <a:buChar char="•"/>
+            </a:pPr>
+            <a:r>
+              <a:rPr kumimoji="1" lang="ja-JP" altLang="en-US" sz="3600">
+                <a:latin typeface="Hiragino Sans W5" panose="020B0400000000000000" pitchFamily="34" charset="-128"/>
+                <a:ea typeface="Hiragino Sans W5" panose="020B0400000000000000" pitchFamily="34" charset="-128"/>
+              </a:rPr>
+              <a:t>精度</a:t>
+            </a:r>
+            <a:r>
+              <a:rPr kumimoji="1" lang="en-US" altLang="ja-JP" sz="3600" dirty="0">
+                <a:latin typeface="Hiragino Sans W5" panose="020B0400000000000000" pitchFamily="34" charset="-128"/>
+                <a:ea typeface="Hiragino Sans W5" panose="020B0400000000000000" pitchFamily="34" charset="-128"/>
+              </a:rPr>
+              <a:t>0.5 →</a:t>
+            </a:r>
+            <a:r>
+              <a:rPr kumimoji="1" lang="ja-JP" altLang="en-US" sz="3600">
+                <a:latin typeface="Hiragino Sans W5" panose="020B0400000000000000" pitchFamily="34" charset="-128"/>
+                <a:ea typeface="Hiragino Sans W5" panose="020B0400000000000000" pitchFamily="34" charset="-128"/>
+              </a:rPr>
+              <a:t> 半分の確率で予測を間違う</a:t>
+            </a:r>
+            <a:r>
+              <a:rPr kumimoji="1" lang="en-US" altLang="ja-JP" sz="3600" dirty="0">
+                <a:latin typeface="Hiragino Sans W5" panose="020B0400000000000000" pitchFamily="34" charset="-128"/>
+                <a:ea typeface="Hiragino Sans W5" panose="020B0400000000000000" pitchFamily="34" charset="-128"/>
+              </a:rPr>
+              <a:t> →</a:t>
+            </a:r>
+            <a:r>
+              <a:rPr kumimoji="1" lang="ja-JP" altLang="en-US" sz="3600">
+                <a:latin typeface="Hiragino Sans W5" panose="020B0400000000000000" pitchFamily="34" charset="-128"/>
+                <a:ea typeface="Hiragino Sans W5" panose="020B0400000000000000" pitchFamily="34" charset="-128"/>
+              </a:rPr>
+              <a:t> </a:t>
+            </a:r>
+            <a:r>
+              <a:rPr kumimoji="1" lang="en-US" altLang="ja-JP" sz="3600" dirty="0" err="1">
+                <a:latin typeface="Hiragino Sans W5" panose="020B0400000000000000" pitchFamily="34" charset="-128"/>
+                <a:ea typeface="Hiragino Sans W5" panose="020B0400000000000000" pitchFamily="34" charset="-128"/>
+              </a:rPr>
+              <a:t>NoS</a:t>
+            </a:r>
+            <a:r>
+              <a:rPr kumimoji="1" lang="ja-JP" altLang="en-US" sz="3600">
+                <a:latin typeface="Hiragino Sans W5" panose="020B0400000000000000" pitchFamily="34" charset="-128"/>
+                <a:ea typeface="Hiragino Sans W5" panose="020B0400000000000000" pitchFamily="34" charset="-128"/>
+              </a:rPr>
+              <a:t>も生成される子個体がほぼ半数の確率で親よりも優れる可能性があると仮定すると同様の探索になるのではないか</a:t>
+            </a:r>
+            <a:endParaRPr kumimoji="1" lang="en-US" altLang="ja-JP" sz="3600" dirty="0">
+              <a:latin typeface="Hiragino Sans W5" panose="020B0400000000000000" pitchFamily="34" charset="-128"/>
+              <a:ea typeface="Hiragino Sans W5" panose="020B0400000000000000" pitchFamily="34" charset="-128"/>
+            </a:endParaRPr>
+          </a:p>
+        </p:txBody>
+      </p:sp>
+      <p:sp>
+        <p:nvSpPr>
           <p:cNvPr id="73" name="テキスト ボックス 72">
             <a:extLst>
               <a:ext uri="{FF2B5EF4-FFF2-40B4-BE49-F238E27FC236}">
@@ -6589,57 +6899,57 @@
             <a:pPr algn="ctr"/>
             <a:r>
               <a:rPr kumimoji="1" lang="en-US" altLang="ja-JP" sz="3600" dirty="0">
-                <a:latin typeface="Hiragino Sans W4" panose="020B0400000000000000" pitchFamily="34" charset="-128"/>
-                <a:ea typeface="Hiragino Sans W4" panose="020B0400000000000000" pitchFamily="34" charset="-128"/>
+                <a:latin typeface="Hiragino Sans W5" panose="020B0400000000000000" pitchFamily="34" charset="-128"/>
+                <a:ea typeface="Hiragino Sans W5" panose="020B0400000000000000" pitchFamily="34" charset="-128"/>
               </a:rPr>
               <a:t>Fig. 1</a:t>
             </a:r>
             <a:r>
               <a:rPr kumimoji="1" lang="ja-JP" altLang="en-US" sz="3600">
-                <a:latin typeface="Hiragino Sans W4" panose="020B0400000000000000" pitchFamily="34" charset="-128"/>
-                <a:ea typeface="Hiragino Sans W4" panose="020B0400000000000000" pitchFamily="34" charset="-128"/>
+                <a:latin typeface="Hiragino Sans W5" panose="020B0400000000000000" pitchFamily="34" charset="-128"/>
+                <a:ea typeface="Hiragino Sans W5" panose="020B0400000000000000" pitchFamily="34" charset="-128"/>
               </a:rPr>
               <a:t>：</a:t>
             </a:r>
             <a:r>
               <a:rPr kumimoji="1" lang="en-US" altLang="ja-JP" sz="3600" dirty="0">
-                <a:latin typeface="Hiragino Sans W4" panose="020B0400000000000000" pitchFamily="34" charset="-128"/>
-                <a:ea typeface="Hiragino Sans W4" panose="020B0400000000000000" pitchFamily="34" charset="-128"/>
+                <a:latin typeface="Hiragino Sans W5" panose="020B0400000000000000" pitchFamily="34" charset="-128"/>
+                <a:ea typeface="Hiragino Sans W5" panose="020B0400000000000000" pitchFamily="34" charset="-128"/>
               </a:rPr>
               <a:t>30</a:t>
             </a:r>
             <a:r>
               <a:rPr kumimoji="1" lang="ja-JP" altLang="en-US" sz="3600">
-                <a:latin typeface="Hiragino Sans W4" panose="020B0400000000000000" pitchFamily="34" charset="-128"/>
-                <a:ea typeface="Hiragino Sans W4" panose="020B0400000000000000" pitchFamily="34" charset="-128"/>
+                <a:latin typeface="Hiragino Sans W5" panose="020B0400000000000000" pitchFamily="34" charset="-128"/>
+                <a:ea typeface="Hiragino Sans W5" panose="020B0400000000000000" pitchFamily="34" charset="-128"/>
               </a:rPr>
               <a:t>次元で</a:t>
             </a:r>
             <a:r>
               <a:rPr kumimoji="1" lang="en-US" altLang="ja-JP" sz="3600" dirty="0">
-                <a:latin typeface="Hiragino Sans W4" panose="020B0400000000000000" pitchFamily="34" charset="-128"/>
-                <a:ea typeface="Hiragino Sans W4" panose="020B0400000000000000" pitchFamily="34" charset="-128"/>
+                <a:latin typeface="Hiragino Sans W5" panose="020B0400000000000000" pitchFamily="34" charset="-128"/>
+                <a:ea typeface="Hiragino Sans W5" panose="020B0400000000000000" pitchFamily="34" charset="-128"/>
               </a:rPr>
               <a:t>PS-CM</a:t>
             </a:r>
             <a:r>
               <a:rPr kumimoji="1" lang="ja-JP" altLang="en-US" sz="3600">
-                <a:latin typeface="Hiragino Sans W4" panose="020B0400000000000000" pitchFamily="34" charset="-128"/>
-                <a:ea typeface="Hiragino Sans W4" panose="020B0400000000000000" pitchFamily="34" charset="-128"/>
+                <a:latin typeface="Hiragino Sans W5" panose="020B0400000000000000" pitchFamily="34" charset="-128"/>
+                <a:ea typeface="Hiragino Sans W5" panose="020B0400000000000000" pitchFamily="34" charset="-128"/>
               </a:rPr>
               <a:t>で探索を行った際の</a:t>
             </a:r>
             <a:endParaRPr kumimoji="1" lang="en-US" altLang="ja-JP" sz="3600" dirty="0">
-              <a:latin typeface="Hiragino Sans W4" panose="020B0400000000000000" pitchFamily="34" charset="-128"/>
-              <a:ea typeface="Hiragino Sans W4" panose="020B0400000000000000" pitchFamily="34" charset="-128"/>
+              <a:latin typeface="Hiragino Sans W5" panose="020B0400000000000000" pitchFamily="34" charset="-128"/>
+              <a:ea typeface="Hiragino Sans W5" panose="020B0400000000000000" pitchFamily="34" charset="-128"/>
             </a:endParaRPr>
           </a:p>
           <a:p>
             <a:pPr algn="ctr"/>
             <a:r>
               <a:rPr kumimoji="1" lang="ja-JP" altLang="en-US" sz="3600">
-                <a:latin typeface="Hiragino Sans W4" panose="020B0400000000000000" pitchFamily="34" charset="-128"/>
-                <a:ea typeface="Hiragino Sans W4" panose="020B0400000000000000" pitchFamily="34" charset="-128"/>
+                <a:latin typeface="Hiragino Sans W5" panose="020B0400000000000000" pitchFamily="34" charset="-128"/>
+                <a:ea typeface="Hiragino Sans W5" panose="020B0400000000000000" pitchFamily="34" charset="-128"/>
               </a:rPr>
               <a:t>目的関数値の最小値との差の推移</a:t>
             </a:r>
@@ -6677,43 +6987,43 @@
             <a:pPr algn="ctr"/>
             <a:r>
               <a:rPr kumimoji="1" lang="en-US" altLang="ja-JP" sz="3600" dirty="0">
-                <a:latin typeface="Hiragino Sans W4" panose="020B0400000000000000" pitchFamily="34" charset="-128"/>
-                <a:ea typeface="Hiragino Sans W4" panose="020B0400000000000000" pitchFamily="34" charset="-128"/>
+                <a:latin typeface="Hiragino Sans W5" panose="020B0400000000000000" pitchFamily="34" charset="-128"/>
+                <a:ea typeface="Hiragino Sans W5" panose="020B0400000000000000" pitchFamily="34" charset="-128"/>
               </a:rPr>
               <a:t>Table. 1</a:t>
             </a:r>
             <a:r>
               <a:rPr kumimoji="1" lang="ja-JP" altLang="en-US" sz="3600">
-                <a:latin typeface="Hiragino Sans W4" panose="020B0400000000000000" pitchFamily="34" charset="-128"/>
-                <a:ea typeface="Hiragino Sans W4" panose="020B0400000000000000" pitchFamily="34" charset="-128"/>
+                <a:latin typeface="Hiragino Sans W5" panose="020B0400000000000000" pitchFamily="34" charset="-128"/>
+                <a:ea typeface="Hiragino Sans W5" panose="020B0400000000000000" pitchFamily="34" charset="-128"/>
               </a:rPr>
               <a:t>：サロゲートモデルの精度と</a:t>
             </a:r>
             <a:r>
               <a:rPr kumimoji="1" lang="en-US" altLang="ja-JP" sz="3600" dirty="0">
-                <a:latin typeface="Hiragino Sans W4" panose="020B0400000000000000" pitchFamily="34" charset="-128"/>
-                <a:ea typeface="Hiragino Sans W4" panose="020B0400000000000000" pitchFamily="34" charset="-128"/>
+                <a:latin typeface="Hiragino Sans W5" panose="020B0400000000000000" pitchFamily="34" charset="-128"/>
+                <a:ea typeface="Hiragino Sans W5" panose="020B0400000000000000" pitchFamily="34" charset="-128"/>
               </a:rPr>
               <a:t>2000</a:t>
             </a:r>
             <a:r>
               <a:rPr kumimoji="1" lang="ja-JP" altLang="en-US" sz="3600">
-                <a:latin typeface="Hiragino Sans W4" panose="020B0400000000000000" pitchFamily="34" charset="-128"/>
-                <a:ea typeface="Hiragino Sans W4" panose="020B0400000000000000" pitchFamily="34" charset="-128"/>
+                <a:latin typeface="Hiragino Sans W5" panose="020B0400000000000000" pitchFamily="34" charset="-128"/>
+                <a:ea typeface="Hiragino Sans W5" panose="020B0400000000000000" pitchFamily="34" charset="-128"/>
               </a:rPr>
               <a:t>回の評価後の目的関数値との</a:t>
             </a:r>
             <a:endParaRPr kumimoji="1" lang="en-US" altLang="ja-JP" sz="3600" dirty="0">
-              <a:latin typeface="Hiragino Sans W4" panose="020B0400000000000000" pitchFamily="34" charset="-128"/>
-              <a:ea typeface="Hiragino Sans W4" panose="020B0400000000000000" pitchFamily="34" charset="-128"/>
+              <a:latin typeface="Hiragino Sans W5" panose="020B0400000000000000" pitchFamily="34" charset="-128"/>
+              <a:ea typeface="Hiragino Sans W5" panose="020B0400000000000000" pitchFamily="34" charset="-128"/>
             </a:endParaRPr>
           </a:p>
           <a:p>
             <a:pPr algn="ctr"/>
             <a:r>
               <a:rPr kumimoji="1" lang="ja-JP" altLang="en-US" sz="3600">
-                <a:latin typeface="Hiragino Sans W4" panose="020B0400000000000000" pitchFamily="34" charset="-128"/>
-                <a:ea typeface="Hiragino Sans W4" panose="020B0400000000000000" pitchFamily="34" charset="-128"/>
+                <a:latin typeface="Hiragino Sans W5" panose="020B0400000000000000" pitchFamily="34" charset="-128"/>
+                <a:ea typeface="Hiragino Sans W5" panose="020B0400000000000000" pitchFamily="34" charset="-128"/>
               </a:rPr>
               <a:t>ケンドールの順位相関係数</a:t>
             </a:r>
@@ -7114,7 +7424,7 @@
                       <a:latin typeface="Hiragino Sans W5" panose="020B0400000000000000" pitchFamily="34" charset="-128"/>
                       <a:ea typeface="Hiragino Sans W5" panose="020B0400000000000000" pitchFamily="34" charset="-128"/>
                     </a:rPr>
-                    <a:t>に当たる個体を次世代に引き継ぐモデル</a:t>
+                    <a:t>に当たる個体を実評価するモデル</a:t>
                   </a:r>
                   <a:endParaRPr kumimoji="1" lang="en-US" altLang="ja-JP" sz="3600" dirty="0">
                     <a:latin typeface="Hiragino Sans W5" panose="020B0400000000000000" pitchFamily="34" charset="-128"/>
@@ -7154,7 +7464,7 @@
                   <a:avLst/>
                 </a:prstGeom>
                 <a:blipFill>
-                  <a:blip r:embed="rId2"/>
+                  <a:blip r:embed="rId3"/>
                   <a:stretch>
                     <a:fillRect l="-2696" t="-4833" r="-1290" b="-8178"/>
                   </a:stretch>
@@ -7176,36 +7486,6 @@
           </mc:Fallback>
         </mc:AlternateContent>
       </p:grpSp>
-      <p:pic>
-        <p:nvPicPr>
-          <p:cNvPr id="5" name="図 4">
-            <a:extLst>
-              <a:ext uri="{FF2B5EF4-FFF2-40B4-BE49-F238E27FC236}">
-                <a16:creationId xmlns:a16="http://schemas.microsoft.com/office/drawing/2014/main" id="{29961AEF-3417-1149-8FA0-B1BC1A0A83D0}"/>
-              </a:ext>
-            </a:extLst>
-          </p:cNvPr>
-          <p:cNvPicPr>
-            <a:picLocks noChangeAspect="1"/>
-          </p:cNvPicPr>
-          <p:nvPr/>
-        </p:nvPicPr>
-        <p:blipFill>
-          <a:blip r:embed="rId3"/>
-          <a:stretch>
-            <a:fillRect/>
-          </a:stretch>
-        </p:blipFill>
-        <p:spPr>
-          <a:xfrm>
-            <a:off x="939865" y="30917340"/>
-            <a:ext cx="4899079" cy="3354803"/>
-          </a:xfrm>
-          <a:prstGeom prst="rect">
-            <a:avLst/>
-          </a:prstGeom>
-        </p:spPr>
-      </p:pic>
       <p:pic>
         <p:nvPicPr>
           <p:cNvPr id="8" name="図 7">
@@ -7390,14 +7670,13 @@
         </p:nvPicPr>
         <p:blipFill>
           <a:blip r:embed="rId6"/>
-          <a:stretch>
-            <a:fillRect/>
-          </a:stretch>
+          <a:srcRect/>
+          <a:stretch/>
         </p:blipFill>
         <p:spPr>
           <a:xfrm>
             <a:off x="16198159" y="31298499"/>
-            <a:ext cx="4899079" cy="2973644"/>
+            <a:ext cx="4899078" cy="2973644"/>
           </a:xfrm>
           <a:prstGeom prst="rect">
             <a:avLst/>
@@ -7420,14 +7699,13 @@
         </p:nvPicPr>
         <p:blipFill>
           <a:blip r:embed="rId7"/>
-          <a:stretch>
-            <a:fillRect/>
-          </a:stretch>
+          <a:srcRect/>
+          <a:stretch/>
         </p:blipFill>
         <p:spPr>
           <a:xfrm>
             <a:off x="21284257" y="31238658"/>
-            <a:ext cx="4899079" cy="3033485"/>
+            <a:ext cx="4899078" cy="3033485"/>
           </a:xfrm>
           <a:prstGeom prst="rect">
             <a:avLst/>
@@ -7450,14 +7728,13 @@
         </p:nvPicPr>
         <p:blipFill>
           <a:blip r:embed="rId8"/>
-          <a:stretch>
-            <a:fillRect/>
-          </a:stretch>
+          <a:srcRect/>
+          <a:stretch/>
         </p:blipFill>
         <p:spPr>
           <a:xfrm>
             <a:off x="26370356" y="31238658"/>
-            <a:ext cx="4899079" cy="3033485"/>
+            <a:ext cx="4899078" cy="3033485"/>
           </a:xfrm>
           <a:prstGeom prst="rect">
             <a:avLst/>
@@ -7479,7 +7756,7 @@
         <p:spPr>
           <a:xfrm>
             <a:off x="18566994" y="36181710"/>
-            <a:ext cx="12702441" cy="5755422"/>
+            <a:ext cx="12702441" cy="5632311"/>
           </a:xfrm>
           <a:prstGeom prst="rect">
             <a:avLst/>
@@ -7664,32 +7941,32 @@
               <a:buChar char="•"/>
             </a:pPr>
             <a:r>
-              <a:rPr kumimoji="1" lang="en-US" altLang="ja-JP" sz="4000" dirty="0">
-                <a:latin typeface="Hiragino Sans W4" panose="020B0400000000000000" pitchFamily="34" charset="-128"/>
-                <a:ea typeface="Hiragino Sans W4" panose="020B0400000000000000" pitchFamily="34" charset="-128"/>
+              <a:rPr kumimoji="1" lang="en-US" altLang="ja-JP" sz="3600" dirty="0">
+                <a:latin typeface="Hiragino Sans W5" panose="020B0400000000000000" pitchFamily="34" charset="-128"/>
+                <a:ea typeface="Hiragino Sans W5" panose="020B0400000000000000" pitchFamily="34" charset="-128"/>
               </a:rPr>
               <a:t>IB</a:t>
             </a:r>
             <a:r>
-              <a:rPr kumimoji="1" lang="ja-JP" altLang="en-US" sz="4000">
-                <a:latin typeface="Hiragino Sans W4" panose="020B0400000000000000" pitchFamily="34" charset="-128"/>
-                <a:ea typeface="Hiragino Sans W4" panose="020B0400000000000000" pitchFamily="34" charset="-128"/>
+              <a:rPr kumimoji="1" lang="ja-JP" altLang="en-US" sz="3600">
+                <a:latin typeface="Hiragino Sans W5" panose="020B0400000000000000" pitchFamily="34" charset="-128"/>
+                <a:ea typeface="Hiragino Sans W5" panose="020B0400000000000000" pitchFamily="34" charset="-128"/>
               </a:rPr>
               <a:t>は</a:t>
             </a:r>
             <a:r>
-              <a:rPr kumimoji="1" lang="en-US" altLang="ja-JP" sz="4000" dirty="0">
-                <a:latin typeface="Hiragino Sans W4" panose="020B0400000000000000" pitchFamily="34" charset="-128"/>
-                <a:ea typeface="Hiragino Sans W4" panose="020B0400000000000000" pitchFamily="34" charset="-128"/>
+              <a:rPr kumimoji="1" lang="en-US" altLang="ja-JP" sz="3600" dirty="0">
+                <a:latin typeface="Hiragino Sans W5" panose="020B0400000000000000" pitchFamily="34" charset="-128"/>
+                <a:ea typeface="Hiragino Sans W5" panose="020B0400000000000000" pitchFamily="34" charset="-128"/>
               </a:rPr>
               <a:t>PS</a:t>
             </a:r>
             <a:r>
-              <a:rPr kumimoji="1" lang="ja-JP" altLang="en-US" sz="4000">
-                <a:latin typeface="Hiragino Sans W4" panose="020B0400000000000000" pitchFamily="34" charset="-128"/>
-                <a:ea typeface="Hiragino Sans W4" panose="020B0400000000000000" pitchFamily="34" charset="-128"/>
-              </a:rPr>
-              <a:t>よりも多様性が生まれやすいため相関がマイナスになることがあるのではないか</a:t>
+              <a:rPr kumimoji="1" lang="ja-JP" altLang="en-US" sz="3600">
+                <a:latin typeface="Hiragino Sans W5" panose="020B0400000000000000" pitchFamily="34" charset="-128"/>
+                <a:ea typeface="Hiragino Sans W5" panose="020B0400000000000000" pitchFamily="34" charset="-128"/>
+              </a:rPr>
+              <a:t>よりも多様性が生まれやすいため精度の低いサロゲートモデル使用時に探索性能が向上するのではないか</a:t>
             </a:r>
           </a:p>
         </p:txBody>
@@ -7775,8 +8052,8 @@
             <a:chExt cx="10838790" cy="9121563"/>
           </a:xfrm>
         </p:grpSpPr>
-        <mc:AlternateContent xmlns:mc="http://schemas.openxmlformats.org/markup-compatibility/2006">
-          <mc:Choice xmlns:a14="http://schemas.microsoft.com/office/drawing/2010/main" Requires="a14">
+        <mc:AlternateContent xmlns:mc="http://schemas.openxmlformats.org/markup-compatibility/2006" xmlns:a14="http://schemas.microsoft.com/office/drawing/2010/main">
+          <mc:Choice Requires="a14">
             <p:sp>
               <p:nvSpPr>
                 <p:cNvPr id="3" name="テキスト ボックス 2">
@@ -8108,7 +8385,7 @@
               </p:txBody>
             </p:sp>
           </mc:Choice>
-          <mc:Fallback>
+          <mc:Fallback xmlns="">
             <p:sp>
               <p:nvSpPr>
                 <p:cNvPr id="3" name="テキスト ボックス 2">
@@ -8223,8 +8500,57 @@
             <a:chExt cx="8752280" cy="8089970"/>
           </a:xfrm>
         </p:grpSpPr>
-        <mc:AlternateContent xmlns:mc="http://schemas.openxmlformats.org/markup-compatibility/2006">
-          <mc:Choice xmlns:a14="http://schemas.microsoft.com/office/drawing/2010/main" Requires="a14">
+        <p:sp>
+          <p:nvSpPr>
+            <p:cNvPr id="36" name="テキスト ボックス 35">
+              <a:extLst>
+                <a:ext uri="{FF2B5EF4-FFF2-40B4-BE49-F238E27FC236}">
+                  <a16:creationId xmlns:a16="http://schemas.microsoft.com/office/drawing/2014/main" id="{DD2FE968-8A8A-8EE2-9931-D3685C0FDB0F}"/>
+                </a:ext>
+              </a:extLst>
+            </p:cNvPr>
+            <p:cNvSpPr txBox="1"/>
+            <p:nvPr/>
+          </p:nvSpPr>
+          <p:spPr>
+            <a:xfrm>
+              <a:off x="21532861" y="9546403"/>
+              <a:ext cx="7256246" cy="707886"/>
+            </a:xfrm>
+            <a:prstGeom prst="rect">
+              <a:avLst/>
+            </a:prstGeom>
+            <a:noFill/>
+          </p:spPr>
+          <p:txBody>
+            <a:bodyPr wrap="none" rtlCol="0">
+              <a:spAutoFit/>
+            </a:bodyPr>
+            <a:lstStyle/>
+            <a:p>
+              <a:r>
+                <a:rPr kumimoji="1" lang="en-US" altLang="ja-JP" sz="4000" dirty="0">
+                  <a:latin typeface="Hiragino Sans W5" panose="020B0400000000000000" pitchFamily="34" charset="-128"/>
+                  <a:ea typeface="Hiragino Sans W5" panose="020B0400000000000000" pitchFamily="34" charset="-128"/>
+                </a:rPr>
+                <a:t>Algorithm 2: IB-AFM (</a:t>
+              </a:r>
+              <a:r>
+                <a:rPr kumimoji="1" lang="ja-JP" altLang="en-US" sz="4000">
+                  <a:latin typeface="Hiragino Sans W5" panose="020B0400000000000000" pitchFamily="34" charset="-128"/>
+                  <a:ea typeface="Hiragino Sans W5" panose="020B0400000000000000" pitchFamily="34" charset="-128"/>
+                </a:rPr>
+                <a:t>疑似サロゲート）</a:t>
+              </a:r>
+              <a:endParaRPr kumimoji="1" lang="en-US" altLang="ja-JP" sz="4000" dirty="0">
+                <a:latin typeface="Hiragino Sans W5" panose="020B0400000000000000" pitchFamily="34" charset="-128"/>
+                <a:ea typeface="Hiragino Sans W5" panose="020B0400000000000000" pitchFamily="34" charset="-128"/>
+              </a:endParaRPr>
+            </a:p>
+          </p:txBody>
+        </p:sp>
+        <mc:AlternateContent xmlns:mc="http://schemas.openxmlformats.org/markup-compatibility/2006" xmlns:a14="http://schemas.microsoft.com/office/drawing/2010/main">
+          <mc:Choice Requires="a14">
             <p:sp>
               <p:nvSpPr>
                 <p:cNvPr id="7" name="テキスト ボックス 6">
@@ -8624,7 +8950,7 @@
               </p:txBody>
             </p:sp>
           </mc:Choice>
-          <mc:Fallback>
+          <mc:Fallback xmlns="">
             <p:sp>
               <p:nvSpPr>
                 <p:cNvPr id="7" name="テキスト ボックス 6">
@@ -8669,55 +8995,6 @@
             </p:sp>
           </mc:Fallback>
         </mc:AlternateContent>
-        <p:sp>
-          <p:nvSpPr>
-            <p:cNvPr id="36" name="テキスト ボックス 35">
-              <a:extLst>
-                <a:ext uri="{FF2B5EF4-FFF2-40B4-BE49-F238E27FC236}">
-                  <a16:creationId xmlns:a16="http://schemas.microsoft.com/office/drawing/2014/main" id="{DD2FE968-8A8A-8EE2-9931-D3685C0FDB0F}"/>
-                </a:ext>
-              </a:extLst>
-            </p:cNvPr>
-            <p:cNvSpPr txBox="1"/>
-            <p:nvPr/>
-          </p:nvSpPr>
-          <p:spPr>
-            <a:xfrm>
-              <a:off x="21532861" y="9546403"/>
-              <a:ext cx="7256246" cy="707886"/>
-            </a:xfrm>
-            <a:prstGeom prst="rect">
-              <a:avLst/>
-            </a:prstGeom>
-            <a:noFill/>
-          </p:spPr>
-          <p:txBody>
-            <a:bodyPr wrap="none" rtlCol="0">
-              <a:spAutoFit/>
-            </a:bodyPr>
-            <a:lstStyle/>
-            <a:p>
-              <a:r>
-                <a:rPr kumimoji="1" lang="en-US" altLang="ja-JP" sz="4000" dirty="0">
-                  <a:latin typeface="Hiragino Sans W5" panose="020B0400000000000000" pitchFamily="34" charset="-128"/>
-                  <a:ea typeface="Hiragino Sans W5" panose="020B0400000000000000" pitchFamily="34" charset="-128"/>
-                </a:rPr>
-                <a:t>Algorithm 2: IB-AFM (</a:t>
-              </a:r>
-              <a:r>
-                <a:rPr kumimoji="1" lang="ja-JP" altLang="en-US" sz="4000">
-                  <a:latin typeface="Hiragino Sans W5" panose="020B0400000000000000" pitchFamily="34" charset="-128"/>
-                  <a:ea typeface="Hiragino Sans W5" panose="020B0400000000000000" pitchFamily="34" charset="-128"/>
-                </a:rPr>
-                <a:t>疑似サロゲート）</a:t>
-              </a:r>
-              <a:endParaRPr kumimoji="1" lang="en-US" altLang="ja-JP" sz="4000" dirty="0">
-                <a:latin typeface="Hiragino Sans W5" panose="020B0400000000000000" pitchFamily="34" charset="-128"/>
-                <a:ea typeface="Hiragino Sans W5" panose="020B0400000000000000" pitchFamily="34" charset="-128"/>
-              </a:endParaRPr>
-            </a:p>
-          </p:txBody>
-        </p:sp>
       </p:grpSp>
       <p:sp>
         <p:nvSpPr>
@@ -8750,65 +9027,65 @@
             <a:pPr algn="ctr"/>
             <a:r>
               <a:rPr kumimoji="1" lang="en-US" altLang="ja-JP" sz="3600" dirty="0">
-                <a:latin typeface="Hiragino Sans W4" panose="020B0400000000000000" pitchFamily="34" charset="-128"/>
-                <a:ea typeface="Hiragino Sans W4" panose="020B0400000000000000" pitchFamily="34" charset="-128"/>
+                <a:latin typeface="Hiragino Sans W5" panose="020B0400000000000000" pitchFamily="34" charset="-128"/>
+                <a:ea typeface="Hiragino Sans W5" panose="020B0400000000000000" pitchFamily="34" charset="-128"/>
               </a:rPr>
               <a:t>Fig. 2</a:t>
             </a:r>
             <a:r>
               <a:rPr kumimoji="1" lang="ja-JP" altLang="en-US" sz="3600">
-                <a:latin typeface="Hiragino Sans W4" panose="020B0400000000000000" pitchFamily="34" charset="-128"/>
-                <a:ea typeface="Hiragino Sans W4" panose="020B0400000000000000" pitchFamily="34" charset="-128"/>
+                <a:latin typeface="Hiragino Sans W5" panose="020B0400000000000000" pitchFamily="34" charset="-128"/>
+                <a:ea typeface="Hiragino Sans W5" panose="020B0400000000000000" pitchFamily="34" charset="-128"/>
               </a:rPr>
               <a:t>：</a:t>
             </a:r>
             <a:r>
               <a:rPr kumimoji="1" lang="en-US" altLang="ja-JP" sz="3600" dirty="0">
-                <a:latin typeface="Hiragino Sans W4" panose="020B0400000000000000" pitchFamily="34" charset="-128"/>
-                <a:ea typeface="Hiragino Sans W4" panose="020B0400000000000000" pitchFamily="34" charset="-128"/>
+                <a:latin typeface="Hiragino Sans W5" panose="020B0400000000000000" pitchFamily="34" charset="-128"/>
+                <a:ea typeface="Hiragino Sans W5" panose="020B0400000000000000" pitchFamily="34" charset="-128"/>
               </a:rPr>
               <a:t>30</a:t>
             </a:r>
             <a:r>
               <a:rPr kumimoji="1" lang="ja-JP" altLang="en-US" sz="3600">
-                <a:latin typeface="Hiragino Sans W4" panose="020B0400000000000000" pitchFamily="34" charset="-128"/>
-                <a:ea typeface="Hiragino Sans W4" panose="020B0400000000000000" pitchFamily="34" charset="-128"/>
+                <a:latin typeface="Hiragino Sans W5" panose="020B0400000000000000" pitchFamily="34" charset="-128"/>
+                <a:ea typeface="Hiragino Sans W5" panose="020B0400000000000000" pitchFamily="34" charset="-128"/>
               </a:rPr>
               <a:t>次元で</a:t>
             </a:r>
             <a:r>
               <a:rPr kumimoji="1" lang="en-US" altLang="ja-JP" sz="3600" dirty="0">
-                <a:latin typeface="Hiragino Sans W4" panose="020B0400000000000000" pitchFamily="34" charset="-128"/>
-                <a:ea typeface="Hiragino Sans W4" panose="020B0400000000000000" pitchFamily="34" charset="-128"/>
+                <a:latin typeface="Hiragino Sans W5" panose="020B0400000000000000" pitchFamily="34" charset="-128"/>
+                <a:ea typeface="Hiragino Sans W5" panose="020B0400000000000000" pitchFamily="34" charset="-128"/>
               </a:rPr>
               <a:t>IB-AFM</a:t>
             </a:r>
             <a:r>
               <a:rPr kumimoji="1" lang="ja-JP" altLang="en-US" sz="3600">
-                <a:latin typeface="Hiragino Sans W4" panose="020B0400000000000000" pitchFamily="34" charset="-128"/>
-                <a:ea typeface="Hiragino Sans W4" panose="020B0400000000000000" pitchFamily="34" charset="-128"/>
+                <a:latin typeface="Hiragino Sans W5" panose="020B0400000000000000" pitchFamily="34" charset="-128"/>
+                <a:ea typeface="Hiragino Sans W5" panose="020B0400000000000000" pitchFamily="34" charset="-128"/>
               </a:rPr>
               <a:t>で探索を行った際の</a:t>
             </a:r>
             <a:endParaRPr kumimoji="1" lang="en-US" altLang="ja-JP" sz="3600" dirty="0">
-              <a:latin typeface="Hiragino Sans W4" panose="020B0400000000000000" pitchFamily="34" charset="-128"/>
-              <a:ea typeface="Hiragino Sans W4" panose="020B0400000000000000" pitchFamily="34" charset="-128"/>
+              <a:latin typeface="Hiragino Sans W5" panose="020B0400000000000000" pitchFamily="34" charset="-128"/>
+              <a:ea typeface="Hiragino Sans W5" panose="020B0400000000000000" pitchFamily="34" charset="-128"/>
             </a:endParaRPr>
           </a:p>
           <a:p>
             <a:pPr algn="ctr"/>
             <a:r>
               <a:rPr kumimoji="1" lang="ja-JP" altLang="en-US" sz="3600">
-                <a:latin typeface="Hiragino Sans W4" panose="020B0400000000000000" pitchFamily="34" charset="-128"/>
-                <a:ea typeface="Hiragino Sans W4" panose="020B0400000000000000" pitchFamily="34" charset="-128"/>
+                <a:latin typeface="Hiragino Sans W5" panose="020B0400000000000000" pitchFamily="34" charset="-128"/>
+                <a:ea typeface="Hiragino Sans W5" panose="020B0400000000000000" pitchFamily="34" charset="-128"/>
               </a:rPr>
               <a:t>目的関数値の最小値との差の推移</a:t>
             </a:r>
           </a:p>
         </p:txBody>
       </p:sp>
-      <mc:AlternateContent xmlns:mc="http://schemas.openxmlformats.org/markup-compatibility/2006">
-        <mc:Choice xmlns:a14="http://schemas.microsoft.com/office/drawing/2010/main" Requires="a14">
+      <mc:AlternateContent xmlns:mc="http://schemas.openxmlformats.org/markup-compatibility/2006" xmlns:a14="http://schemas.microsoft.com/office/drawing/2010/main">
+        <mc:Choice Requires="a14">
           <p:graphicFrame>
             <p:nvGraphicFramePr>
               <p:cNvPr id="15" name="表 14">
@@ -9171,7 +9448,7 @@
             </a:graphic>
           </p:graphicFrame>
         </mc:Choice>
-        <mc:Fallback>
+        <mc:Fallback xmlns="">
           <p:graphicFrame>
             <p:nvGraphicFramePr>
               <p:cNvPr id="15" name="表 14">
@@ -9528,8 +9805,8 @@
             </p:nvSpPr>
             <p:spPr>
               <a:xfrm>
-                <a:off x="10766025" y="25127341"/>
-                <a:ext cx="21036464" cy="646331"/>
+                <a:off x="9991498" y="25183096"/>
+                <a:ext cx="21450296" cy="646331"/>
               </a:xfrm>
               <a:prstGeom prst="rect">
                 <a:avLst/>
@@ -9640,34 +9917,34 @@
                 </a:r>
                 <a14:m>
                   <m:oMath xmlns:m="http://schemas.openxmlformats.org/officeDocument/2006/math">
-                    <m:sSub>
-                      <m:sSubPr>
-                        <m:ctrlPr>
-                          <a:rPr kumimoji="1" lang="en-US" altLang="ja-JP" sz="3600" i="1" dirty="0" smtClean="0">
-                            <a:latin typeface="Cambria Math" panose="02040503050406030204" pitchFamily="18" charset="0"/>
-                            <a:ea typeface="Hiragino Sans W4" panose="020B0400000000000000" pitchFamily="34" charset="-128"/>
-                          </a:rPr>
-                        </m:ctrlPr>
-                      </m:sSubPr>
-                      <m:e>
-                        <m:r>
-                          <a:rPr kumimoji="1" lang="en-US" altLang="ja-JP" sz="3600" i="1" dirty="0" smtClean="0">
-                            <a:latin typeface="Cambria Math" panose="02040503050406030204" pitchFamily="18" charset="0"/>
-                            <a:ea typeface="Hiragino Sans W4" panose="020B0400000000000000" pitchFamily="34" charset="-128"/>
-                          </a:rPr>
-                          <m:t>𝑁</m:t>
-                        </m:r>
-                      </m:e>
-                      <m:sub>
-                        <m:r>
-                          <a:rPr kumimoji="1" lang="en-US" altLang="ja-JP" sz="3600" i="1" dirty="0" smtClean="0">
-                            <a:latin typeface="Cambria Math" panose="02040503050406030204" pitchFamily="18" charset="0"/>
-                            <a:ea typeface="Hiragino Sans W4" panose="020B0400000000000000" pitchFamily="34" charset="-128"/>
-                          </a:rPr>
-                          <m:t>𝑟</m:t>
-                        </m:r>
-                      </m:sub>
-                    </m:sSub>
+                    <m:r>
+                      <a:rPr kumimoji="1" lang="en-US" altLang="ja-JP" sz="3600" b="0" i="1" dirty="0" smtClean="0">
+                        <a:latin typeface="Cambria Math" panose="02040503050406030204" pitchFamily="18" charset="0"/>
+                        <a:ea typeface="Hiragino Sans W4" panose="020B0400000000000000" pitchFamily="34" charset="-128"/>
+                      </a:rPr>
+                      <m:t>2</m:t>
+                    </m:r>
+                    <m:r>
+                      <a:rPr kumimoji="1" lang="en-US" altLang="ja-JP" sz="3600" b="0" i="1" dirty="0" smtClean="0">
+                        <a:latin typeface="Cambria Math" panose="02040503050406030204" pitchFamily="18" charset="0"/>
+                        <a:ea typeface="Hiragino Sans W4" panose="020B0400000000000000" pitchFamily="34" charset="-128"/>
+                      </a:rPr>
+                      <m:t>𝑁</m:t>
+                    </m:r>
+                    <m:r>
+                      <a:rPr kumimoji="1" lang="en-US" altLang="ja-JP" sz="3600" b="0" i="1" dirty="0" smtClean="0">
+                        <a:latin typeface="Cambria Math" panose="02040503050406030204" pitchFamily="18" charset="0"/>
+                        <a:ea typeface="Cambria Math" panose="02040503050406030204" pitchFamily="18" charset="0"/>
+                      </a:rPr>
+                      <m:t>×</m:t>
+                    </m:r>
+                    <m:r>
+                      <a:rPr kumimoji="1" lang="en-US" altLang="ja-JP" sz="3600" b="0" i="1" dirty="0" smtClean="0">
+                        <a:latin typeface="Cambria Math" panose="02040503050406030204" pitchFamily="18" charset="0"/>
+                        <a:ea typeface="Cambria Math" panose="02040503050406030204" pitchFamily="18" charset="0"/>
+                      </a:rPr>
+                      <m:t>𝑠𝑝</m:t>
+                    </m:r>
                   </m:oMath>
                 </a14:m>
                 <a:r>
@@ -9702,8 +9979,8 @@
             </p:nvSpPr>
             <p:spPr>
               <a:xfrm>
-                <a:off x="10766025" y="25127341"/>
-                <a:ext cx="21036464" cy="646331"/>
+                <a:off x="9991498" y="25183096"/>
+                <a:ext cx="21450296" cy="646331"/>
               </a:xfrm>
               <a:prstGeom prst="rect">
                 <a:avLst/>
@@ -9711,7 +9988,7 @@
               <a:blipFill>
                 <a:blip r:embed="rId12"/>
                 <a:stretch>
-                  <a:fillRect l="-302" t="-13462" b="-32692"/>
+                  <a:fillRect l="-355" t="-13462" b="-34615"/>
                 </a:stretch>
               </a:blipFill>
             </p:spPr>
@@ -9745,14 +10022,14 @@
           <p:nvPr>
             <p:extLst>
               <p:ext uri="{D42A27DB-BD31-4B8C-83A1-F6EECF244321}">
-                <p14:modId xmlns:p14="http://schemas.microsoft.com/office/powerpoint/2010/main" val="3721105801"/>
+                <p14:modId xmlns:p14="http://schemas.microsoft.com/office/powerpoint/2010/main" val="3472250457"/>
               </p:ext>
             </p:extLst>
           </p:nvPr>
         </p:nvGraphicFramePr>
         <p:xfrm>
-          <a:off x="2229365" y="37672637"/>
-          <a:ext cx="14621576" cy="3505200"/>
+          <a:off x="1971675" y="37672637"/>
+          <a:ext cx="14879266" cy="3200400"/>
         </p:xfrm>
         <a:graphic>
           <a:graphicData uri="http://schemas.openxmlformats.org/drawingml/2006/table">
@@ -9761,7 +10038,7 @@
                 <a:tableStyleId>{5C22544A-7EE6-4342-B048-85BDC9FD1C3A}</a:tableStyleId>
               </a:tblPr>
               <a:tblGrid>
-                <a:gridCol w="1827697">
+                <a:gridCol w="2085387">
                   <a:extLst>
                     <a:ext uri="{9D8B030D-6E8A-4147-A177-3AD203B41FA5}">
                       <a16:colId xmlns:a16="http://schemas.microsoft.com/office/drawing/2014/main" val="3944286928"/>
@@ -9824,7 +10101,10 @@
                     <a:bodyPr/>
                     <a:lstStyle/>
                     <a:p>
-                      <a:endParaRPr kumimoji="1" lang="ja-JP" altLang="en-US" sz="4000"/>
+                      <a:endParaRPr kumimoji="1" lang="ja-JP" altLang="en-US" sz="3600" b="0" i="0">
+                        <a:latin typeface="Hiragino Sans W3" panose="020B0400000000000000" pitchFamily="34" charset="-128"/>
+                        <a:ea typeface="Hiragino Sans W3" panose="020B0400000000000000" pitchFamily="34" charset="-128"/>
+                      </a:endParaRPr>
                     </a:p>
                   </a:txBody>
                   <a:tcPr anchor="ctr"/>
@@ -9834,7 +10114,10 @@
                     <a:bodyPr/>
                     <a:lstStyle/>
                     <a:p>
-                      <a:endParaRPr kumimoji="1" lang="ja-JP" altLang="en-US" sz="4000"/>
+                      <a:endParaRPr kumimoji="1" lang="ja-JP" altLang="en-US" sz="3600" b="0" i="0">
+                        <a:latin typeface="Hiragino Sans W3" panose="020B0400000000000000" pitchFamily="34" charset="-128"/>
+                        <a:ea typeface="Hiragino Sans W3" panose="020B0400000000000000" pitchFamily="34" charset="-128"/>
+                      </a:endParaRPr>
                     </a:p>
                   </a:txBody>
                   <a:tcPr anchor="ctr"/>
@@ -9845,10 +10128,16 @@
                     <a:lstStyle/>
                     <a:p>
                       <a:r>
-                        <a:rPr kumimoji="1" lang="en-US" altLang="ja-JP" sz="4000" dirty="0"/>
+                        <a:rPr kumimoji="1" lang="en-US" altLang="ja-JP" sz="3600" b="0" i="0" dirty="0">
+                          <a:latin typeface="Hiragino Sans W3" panose="020B0400000000000000" pitchFamily="34" charset="-128"/>
+                          <a:ea typeface="Hiragino Sans W3" panose="020B0400000000000000" pitchFamily="34" charset="-128"/>
+                        </a:rPr>
                         <a:t>f1</a:t>
                       </a:r>
-                      <a:endParaRPr kumimoji="1" lang="ja-JP" altLang="en-US" sz="4000"/>
+                      <a:endParaRPr kumimoji="1" lang="ja-JP" altLang="en-US" sz="3600" b="0" i="0">
+                        <a:latin typeface="Hiragino Sans W3" panose="020B0400000000000000" pitchFamily="34" charset="-128"/>
+                        <a:ea typeface="Hiragino Sans W3" panose="020B0400000000000000" pitchFamily="34" charset="-128"/>
+                      </a:endParaRPr>
                     </a:p>
                   </a:txBody>
                   <a:tcPr anchor="ctr"/>
@@ -9859,10 +10148,16 @@
                     <a:lstStyle/>
                     <a:p>
                       <a:r>
-                        <a:rPr kumimoji="1" lang="en-US" altLang="ja-JP" sz="4000" dirty="0"/>
+                        <a:rPr kumimoji="1" lang="en-US" altLang="ja-JP" sz="3600" b="0" i="0" dirty="0">
+                          <a:latin typeface="Hiragino Sans W3" panose="020B0400000000000000" pitchFamily="34" charset="-128"/>
+                          <a:ea typeface="Hiragino Sans W3" panose="020B0400000000000000" pitchFamily="34" charset="-128"/>
+                        </a:rPr>
                         <a:t>f2</a:t>
                       </a:r>
-                      <a:endParaRPr kumimoji="1" lang="ja-JP" altLang="en-US" sz="4000"/>
+                      <a:endParaRPr kumimoji="1" lang="ja-JP" altLang="en-US" sz="3600" b="0" i="0">
+                        <a:latin typeface="Hiragino Sans W3" panose="020B0400000000000000" pitchFamily="34" charset="-128"/>
+                        <a:ea typeface="Hiragino Sans W3" panose="020B0400000000000000" pitchFamily="34" charset="-128"/>
+                      </a:endParaRPr>
                     </a:p>
                   </a:txBody>
                   <a:tcPr anchor="ctr"/>
@@ -9873,10 +10168,16 @@
                     <a:lstStyle/>
                     <a:p>
                       <a:r>
-                        <a:rPr kumimoji="1" lang="en-US" altLang="ja-JP" sz="4000" dirty="0"/>
+                        <a:rPr kumimoji="1" lang="en-US" altLang="ja-JP" sz="3600" b="0" i="0" dirty="0">
+                          <a:latin typeface="Hiragino Sans W3" panose="020B0400000000000000" pitchFamily="34" charset="-128"/>
+                          <a:ea typeface="Hiragino Sans W3" panose="020B0400000000000000" pitchFamily="34" charset="-128"/>
+                        </a:rPr>
                         <a:t>f4</a:t>
                       </a:r>
-                      <a:endParaRPr kumimoji="1" lang="ja-JP" altLang="en-US" sz="4000"/>
+                      <a:endParaRPr kumimoji="1" lang="ja-JP" altLang="en-US" sz="3600" b="0" i="0">
+                        <a:latin typeface="Hiragino Sans W3" panose="020B0400000000000000" pitchFamily="34" charset="-128"/>
+                        <a:ea typeface="Hiragino Sans W3" panose="020B0400000000000000" pitchFamily="34" charset="-128"/>
+                      </a:endParaRPr>
                     </a:p>
                   </a:txBody>
                   <a:tcPr anchor="ctr"/>
@@ -9887,10 +10188,16 @@
                     <a:lstStyle/>
                     <a:p>
                       <a:r>
-                        <a:rPr kumimoji="1" lang="en-US" altLang="ja-JP" sz="4000" dirty="0"/>
+                        <a:rPr kumimoji="1" lang="en-US" altLang="ja-JP" sz="3600" b="0" i="0" dirty="0">
+                          <a:latin typeface="Hiragino Sans W3" panose="020B0400000000000000" pitchFamily="34" charset="-128"/>
+                          <a:ea typeface="Hiragino Sans W3" panose="020B0400000000000000" pitchFamily="34" charset="-128"/>
+                        </a:rPr>
                         <a:t>f8</a:t>
                       </a:r>
-                      <a:endParaRPr kumimoji="1" lang="ja-JP" altLang="en-US" sz="4000"/>
+                      <a:endParaRPr kumimoji="1" lang="ja-JP" altLang="en-US" sz="3600" b="0" i="0">
+                        <a:latin typeface="Hiragino Sans W3" panose="020B0400000000000000" pitchFamily="34" charset="-128"/>
+                        <a:ea typeface="Hiragino Sans W3" panose="020B0400000000000000" pitchFamily="34" charset="-128"/>
+                      </a:endParaRPr>
                     </a:p>
                   </a:txBody>
                   <a:tcPr anchor="ctr"/>
@@ -9901,10 +10208,16 @@
                     <a:lstStyle/>
                     <a:p>
                       <a:r>
-                        <a:rPr kumimoji="1" lang="en-US" altLang="ja-JP" sz="4000" dirty="0"/>
+                        <a:rPr kumimoji="1" lang="en-US" altLang="ja-JP" sz="3600" b="0" i="0" dirty="0">
+                          <a:latin typeface="Hiragino Sans W3" panose="020B0400000000000000" pitchFamily="34" charset="-128"/>
+                          <a:ea typeface="Hiragino Sans W3" panose="020B0400000000000000" pitchFamily="34" charset="-128"/>
+                        </a:rPr>
                         <a:t>f13</a:t>
                       </a:r>
-                      <a:endParaRPr kumimoji="1" lang="ja-JP" altLang="en-US" sz="4000"/>
+                      <a:endParaRPr kumimoji="1" lang="ja-JP" altLang="en-US" sz="3600" b="0" i="0">
+                        <a:latin typeface="Hiragino Sans W3" panose="020B0400000000000000" pitchFamily="34" charset="-128"/>
+                        <a:ea typeface="Hiragino Sans W3" panose="020B0400000000000000" pitchFamily="34" charset="-128"/>
+                      </a:endParaRPr>
                     </a:p>
                   </a:txBody>
                   <a:tcPr anchor="ctr"/>
@@ -9915,10 +10228,16 @@
                     <a:lstStyle/>
                     <a:p>
                       <a:r>
-                        <a:rPr kumimoji="1" lang="en-US" altLang="ja-JP" sz="4000" dirty="0"/>
+                        <a:rPr kumimoji="1" lang="en-US" altLang="ja-JP" sz="3600" b="0" i="0" dirty="0">
+                          <a:latin typeface="Hiragino Sans W3" panose="020B0400000000000000" pitchFamily="34" charset="-128"/>
+                          <a:ea typeface="Hiragino Sans W3" panose="020B0400000000000000" pitchFamily="34" charset="-128"/>
+                        </a:rPr>
                         <a:t>f15</a:t>
                       </a:r>
-                      <a:endParaRPr kumimoji="1" lang="ja-JP" altLang="en-US" sz="4000"/>
+                      <a:endParaRPr kumimoji="1" lang="ja-JP" altLang="en-US" sz="3600" b="0" i="0">
+                        <a:latin typeface="Hiragino Sans W3" panose="020B0400000000000000" pitchFamily="34" charset="-128"/>
+                        <a:ea typeface="Hiragino Sans W3" panose="020B0400000000000000" pitchFamily="34" charset="-128"/>
+                      </a:endParaRPr>
                     </a:p>
                   </a:txBody>
                   <a:tcPr anchor="ctr"/>
@@ -9936,10 +10255,16 @@
                     <a:lstStyle/>
                     <a:p>
                       <a:r>
-                        <a:rPr kumimoji="1" lang="en-US" altLang="ja-JP" sz="4000" dirty="0"/>
+                        <a:rPr kumimoji="1" lang="en-US" altLang="ja-JP" sz="3600" b="0" i="0" dirty="0">
+                          <a:latin typeface="Hiragino Sans W3" panose="020B0400000000000000" pitchFamily="34" charset="-128"/>
+                          <a:ea typeface="Hiragino Sans W3" panose="020B0400000000000000" pitchFamily="34" charset="-128"/>
+                        </a:rPr>
                         <a:t>PS-CM</a:t>
                       </a:r>
-                      <a:endParaRPr kumimoji="1" lang="ja-JP" altLang="en-US" sz="4000"/>
+                      <a:endParaRPr kumimoji="1" lang="ja-JP" altLang="en-US" sz="3600" b="0" i="0">
+                        <a:latin typeface="Hiragino Sans W3" panose="020B0400000000000000" pitchFamily="34" charset="-128"/>
+                        <a:ea typeface="Hiragino Sans W3" panose="020B0400000000000000" pitchFamily="34" charset="-128"/>
+                      </a:endParaRPr>
                     </a:p>
                   </a:txBody>
                   <a:tcPr anchor="ctr"/>
@@ -9950,11 +10275,17 @@
                     <a:lstStyle/>
                     <a:p>
                       <a:r>
-                        <a:rPr kumimoji="1" lang="en-US" altLang="ja-JP" sz="4000" dirty="0"/>
+                        <a:rPr kumimoji="1" lang="en-US" altLang="ja-JP" sz="3600" b="0" i="0" dirty="0">
+                          <a:latin typeface="Hiragino Sans W3" panose="020B0400000000000000" pitchFamily="34" charset="-128"/>
+                          <a:ea typeface="Hiragino Sans W3" panose="020B0400000000000000" pitchFamily="34" charset="-128"/>
+                        </a:rPr>
                         <a:t>10</a:t>
                       </a:r>
                       <a:r>
-                        <a:rPr kumimoji="1" lang="ja-JP" altLang="en-US" sz="4000"/>
+                        <a:rPr kumimoji="1" lang="ja-JP" altLang="en-US" sz="3600" b="0" i="0">
+                          <a:latin typeface="Hiragino Sans W3" panose="020B0400000000000000" pitchFamily="34" charset="-128"/>
+                          <a:ea typeface="Hiragino Sans W3" panose="020B0400000000000000" pitchFamily="34" charset="-128"/>
+                        </a:rPr>
                         <a:t>次元</a:t>
                       </a:r>
                     </a:p>
@@ -9968,13 +10299,13 @@
                     <a:p>
                       <a:pPr algn="r" fontAlgn="ctr"/>
                       <a:r>
-                        <a:rPr lang="en-US" altLang="ja-JP" sz="4000" b="0" i="0" u="none" strike="noStrike" dirty="0">
+                        <a:rPr lang="en-US" altLang="ja-JP" sz="3600" b="0" i="0" u="none" strike="noStrike" dirty="0">
                           <a:solidFill>
                             <a:srgbClr val="000000"/>
                           </a:solidFill>
                           <a:effectLst/>
-                          <a:latin typeface="游ゴシック" panose="020B0400000000000000" pitchFamily="34" charset="-128"/>
-                          <a:ea typeface="游ゴシック" panose="020B0400000000000000" pitchFamily="34" charset="-128"/>
+                          <a:latin typeface="Hiragino Sans W3" panose="020B0400000000000000" pitchFamily="34" charset="-128"/>
+                          <a:ea typeface="Hiragino Sans W3" panose="020B0400000000000000" pitchFamily="34" charset="-128"/>
                         </a:rPr>
                         <a:t>1.0</a:t>
                       </a:r>
@@ -9989,13 +10320,13 @@
                     <a:p>
                       <a:pPr algn="r" fontAlgn="ctr"/>
                       <a:r>
-                        <a:rPr lang="en-US" altLang="ja-JP" sz="4000" b="0" i="0" u="none" strike="noStrike" dirty="0">
+                        <a:rPr lang="en-US" altLang="ja-JP" sz="3600" b="0" i="0" u="none" strike="noStrike" dirty="0">
                           <a:solidFill>
                             <a:srgbClr val="000000"/>
                           </a:solidFill>
                           <a:effectLst/>
-                          <a:latin typeface="游ゴシック" panose="020B0400000000000000" pitchFamily="34" charset="-128"/>
-                          <a:ea typeface="游ゴシック" panose="020B0400000000000000" pitchFamily="34" charset="-128"/>
+                          <a:latin typeface="Hiragino Sans W3" panose="020B0400000000000000" pitchFamily="34" charset="-128"/>
+                          <a:ea typeface="Hiragino Sans W3" panose="020B0400000000000000" pitchFamily="34" charset="-128"/>
                         </a:rPr>
                         <a:t>1.0</a:t>
                       </a:r>
@@ -10010,13 +10341,13 @@
                     <a:p>
                       <a:pPr algn="r" fontAlgn="ctr"/>
                       <a:r>
-                        <a:rPr lang="en-US" altLang="ja-JP" sz="4000" b="0" i="0" u="none" strike="noStrike" dirty="0">
+                        <a:rPr lang="en-US" altLang="ja-JP" sz="3600" b="0" i="0" u="none" strike="noStrike" dirty="0">
                           <a:solidFill>
                             <a:srgbClr val="000000"/>
                           </a:solidFill>
                           <a:effectLst/>
-                          <a:latin typeface="游ゴシック" panose="020B0400000000000000" pitchFamily="34" charset="-128"/>
-                          <a:ea typeface="游ゴシック" panose="020B0400000000000000" pitchFamily="34" charset="-128"/>
+                          <a:latin typeface="Hiragino Sans W3" panose="020B0400000000000000" pitchFamily="34" charset="-128"/>
+                          <a:ea typeface="Hiragino Sans W3" panose="020B0400000000000000" pitchFamily="34" charset="-128"/>
                         </a:rPr>
                         <a:t>1.0</a:t>
                       </a:r>
@@ -10031,13 +10362,13 @@
                     <a:p>
                       <a:pPr algn="r" fontAlgn="ctr"/>
                       <a:r>
-                        <a:rPr lang="en-US" altLang="ja-JP" sz="4000" b="0" i="0" u="none" strike="noStrike" dirty="0">
+                        <a:rPr lang="en-US" altLang="ja-JP" sz="3600" b="0" i="0" u="none" strike="noStrike" dirty="0">
                           <a:solidFill>
                             <a:srgbClr val="000000"/>
                           </a:solidFill>
                           <a:effectLst/>
-                          <a:latin typeface="游ゴシック" panose="020B0400000000000000" pitchFamily="34" charset="-128"/>
-                          <a:ea typeface="游ゴシック" panose="020B0400000000000000" pitchFamily="34" charset="-128"/>
+                          <a:latin typeface="Hiragino Sans W3" panose="020B0400000000000000" pitchFamily="34" charset="-128"/>
+                          <a:ea typeface="Hiragino Sans W3" panose="020B0400000000000000" pitchFamily="34" charset="-128"/>
                         </a:rPr>
                         <a:t>1.0</a:t>
                       </a:r>
@@ -10052,13 +10383,13 @@
                     <a:p>
                       <a:pPr algn="r" fontAlgn="ctr"/>
                       <a:r>
-                        <a:rPr lang="en-US" altLang="ja-JP" sz="4000" b="0" i="0" u="none" strike="noStrike" dirty="0">
+                        <a:rPr lang="en-US" altLang="ja-JP" sz="3600" b="0" i="0" u="none" strike="noStrike" dirty="0">
                           <a:solidFill>
                             <a:srgbClr val="000000"/>
                           </a:solidFill>
                           <a:effectLst/>
-                          <a:latin typeface="游ゴシック" panose="020B0400000000000000" pitchFamily="34" charset="-128"/>
-                          <a:ea typeface="游ゴシック" panose="020B0400000000000000" pitchFamily="34" charset="-128"/>
+                          <a:latin typeface="Hiragino Sans W3" panose="020B0400000000000000" pitchFamily="34" charset="-128"/>
+                          <a:ea typeface="Hiragino Sans W3" panose="020B0400000000000000" pitchFamily="34" charset="-128"/>
                         </a:rPr>
                         <a:t>1.0</a:t>
                       </a:r>
@@ -10073,13 +10404,13 @@
                     <a:p>
                       <a:pPr algn="r" fontAlgn="ctr"/>
                       <a:r>
-                        <a:rPr lang="en-US" altLang="ja-JP" sz="4000" b="0" i="0" u="none" strike="noStrike" dirty="0">
+                        <a:rPr lang="en-US" altLang="ja-JP" sz="3600" b="0" i="0" u="none" strike="noStrike" dirty="0">
                           <a:solidFill>
                             <a:srgbClr val="000000"/>
                           </a:solidFill>
                           <a:effectLst/>
-                          <a:latin typeface="游ゴシック" panose="020B0400000000000000" pitchFamily="34" charset="-128"/>
-                          <a:ea typeface="游ゴシック" panose="020B0400000000000000" pitchFamily="34" charset="-128"/>
+                          <a:latin typeface="Hiragino Sans W3" panose="020B0400000000000000" pitchFamily="34" charset="-128"/>
+                          <a:ea typeface="Hiragino Sans W3" panose="020B0400000000000000" pitchFamily="34" charset="-128"/>
                         </a:rPr>
                         <a:t>1.0</a:t>
                       </a:r>
@@ -10110,11 +10441,17 @@
                     <a:lstStyle/>
                     <a:p>
                       <a:r>
-                        <a:rPr kumimoji="1" lang="en-US" altLang="ja-JP" sz="4000" dirty="0"/>
+                        <a:rPr kumimoji="1" lang="en-US" altLang="ja-JP" sz="3600" b="0" i="0" dirty="0">
+                          <a:latin typeface="Hiragino Sans W3" panose="020B0400000000000000" pitchFamily="34" charset="-128"/>
+                          <a:ea typeface="Hiragino Sans W3" panose="020B0400000000000000" pitchFamily="34" charset="-128"/>
+                        </a:rPr>
                         <a:t>30</a:t>
                       </a:r>
                       <a:r>
-                        <a:rPr kumimoji="1" lang="ja-JP" altLang="en-US" sz="4000"/>
+                        <a:rPr kumimoji="1" lang="ja-JP" altLang="en-US" sz="3600" b="0" i="0">
+                          <a:latin typeface="Hiragino Sans W3" panose="020B0400000000000000" pitchFamily="34" charset="-128"/>
+                          <a:ea typeface="Hiragino Sans W3" panose="020B0400000000000000" pitchFamily="34" charset="-128"/>
+                        </a:rPr>
                         <a:t>次元</a:t>
                       </a:r>
                     </a:p>
@@ -10128,13 +10465,13 @@
                     <a:p>
                       <a:pPr algn="r" fontAlgn="ctr"/>
                       <a:r>
-                        <a:rPr lang="en-US" altLang="ja-JP" sz="4000" b="0" i="0" u="none" strike="noStrike" dirty="0">
+                        <a:rPr lang="en-US" altLang="ja-JP" sz="3600" b="0" i="0" u="none" strike="noStrike" dirty="0">
                           <a:solidFill>
                             <a:srgbClr val="000000"/>
                           </a:solidFill>
                           <a:effectLst/>
-                          <a:latin typeface="游ゴシック" panose="020B0400000000000000" pitchFamily="34" charset="-128"/>
-                          <a:ea typeface="游ゴシック" panose="020B0400000000000000" pitchFamily="34" charset="-128"/>
+                          <a:latin typeface="Hiragino Sans W3" panose="020B0400000000000000" pitchFamily="34" charset="-128"/>
+                          <a:ea typeface="Hiragino Sans W3" panose="020B0400000000000000" pitchFamily="34" charset="-128"/>
                         </a:rPr>
                         <a:t>1.0</a:t>
                       </a:r>
@@ -10149,13 +10486,13 @@
                     <a:p>
                       <a:pPr algn="r" fontAlgn="ctr"/>
                       <a:r>
-                        <a:rPr lang="en-US" altLang="ja-JP" sz="4000" b="0" i="0" u="none" strike="noStrike" dirty="0">
+                        <a:rPr lang="en-US" altLang="ja-JP" sz="3600" b="0" i="0" u="none" strike="noStrike" dirty="0">
                           <a:solidFill>
                             <a:srgbClr val="000000"/>
                           </a:solidFill>
                           <a:effectLst/>
-                          <a:latin typeface="游ゴシック" panose="020B0400000000000000" pitchFamily="34" charset="-128"/>
-                          <a:ea typeface="游ゴシック" panose="020B0400000000000000" pitchFamily="34" charset="-128"/>
+                          <a:latin typeface="Hiragino Sans W3" panose="020B0400000000000000" pitchFamily="34" charset="-128"/>
+                          <a:ea typeface="Hiragino Sans W3" panose="020B0400000000000000" pitchFamily="34" charset="-128"/>
                         </a:rPr>
                         <a:t>1.0</a:t>
                       </a:r>
@@ -10170,13 +10507,13 @@
                     <a:p>
                       <a:pPr algn="r" fontAlgn="ctr"/>
                       <a:r>
-                        <a:rPr lang="en-US" altLang="ja-JP" sz="4000" b="0" i="0" u="none" strike="noStrike" dirty="0">
+                        <a:rPr lang="en-US" altLang="ja-JP" sz="3600" b="0" i="0" u="none" strike="noStrike" dirty="0">
                           <a:solidFill>
                             <a:srgbClr val="000000"/>
                           </a:solidFill>
                           <a:effectLst/>
-                          <a:latin typeface="游ゴシック" panose="020B0400000000000000" pitchFamily="34" charset="-128"/>
-                          <a:ea typeface="游ゴシック" panose="020B0400000000000000" pitchFamily="34" charset="-128"/>
+                          <a:latin typeface="Hiragino Sans W3" panose="020B0400000000000000" pitchFamily="34" charset="-128"/>
+                          <a:ea typeface="Hiragino Sans W3" panose="020B0400000000000000" pitchFamily="34" charset="-128"/>
                         </a:rPr>
                         <a:t>1.0</a:t>
                       </a:r>
@@ -10191,13 +10528,13 @@
                     <a:p>
                       <a:pPr algn="r" fontAlgn="ctr"/>
                       <a:r>
-                        <a:rPr lang="en-US" altLang="ja-JP" sz="4000" b="0" i="0" u="none" strike="noStrike" dirty="0">
+                        <a:rPr lang="en-US" altLang="ja-JP" sz="3600" b="0" i="0" u="none" strike="noStrike" dirty="0">
                           <a:solidFill>
                             <a:srgbClr val="000000"/>
                           </a:solidFill>
                           <a:effectLst/>
-                          <a:latin typeface="游ゴシック" panose="020B0400000000000000" pitchFamily="34" charset="-128"/>
-                          <a:ea typeface="游ゴシック" panose="020B0400000000000000" pitchFamily="34" charset="-128"/>
+                          <a:latin typeface="Hiragino Sans W3" panose="020B0400000000000000" pitchFamily="34" charset="-128"/>
+                          <a:ea typeface="Hiragino Sans W3" panose="020B0400000000000000" pitchFamily="34" charset="-128"/>
                         </a:rPr>
                         <a:t>1.0</a:t>
                       </a:r>
@@ -10212,13 +10549,13 @@
                     <a:p>
                       <a:pPr algn="r" fontAlgn="ctr"/>
                       <a:r>
-                        <a:rPr lang="en-US" altLang="ja-JP" sz="4000" b="0" i="0" u="none" strike="noStrike" dirty="0">
+                        <a:rPr lang="en-US" altLang="ja-JP" sz="3600" b="0" i="0" u="none" strike="noStrike" dirty="0">
                           <a:solidFill>
                             <a:srgbClr val="000000"/>
                           </a:solidFill>
                           <a:effectLst/>
-                          <a:latin typeface="游ゴシック" panose="020B0400000000000000" pitchFamily="34" charset="-128"/>
-                          <a:ea typeface="游ゴシック" panose="020B0400000000000000" pitchFamily="34" charset="-128"/>
+                          <a:latin typeface="Hiragino Sans W3" panose="020B0400000000000000" pitchFamily="34" charset="-128"/>
+                          <a:ea typeface="Hiragino Sans W3" panose="020B0400000000000000" pitchFamily="34" charset="-128"/>
                         </a:rPr>
                         <a:t>1.0</a:t>
                       </a:r>
@@ -10233,13 +10570,13 @@
                     <a:p>
                       <a:pPr algn="r" fontAlgn="ctr"/>
                       <a:r>
-                        <a:rPr lang="en-US" altLang="ja-JP" sz="4000" b="0" i="0" u="none" strike="noStrike" dirty="0">
+                        <a:rPr lang="en-US" altLang="ja-JP" sz="3600" b="0" i="0" u="none" strike="noStrike" dirty="0">
                           <a:solidFill>
                             <a:srgbClr val="000000"/>
                           </a:solidFill>
                           <a:effectLst/>
-                          <a:latin typeface="游ゴシック" panose="020B0400000000000000" pitchFamily="34" charset="-128"/>
-                          <a:ea typeface="游ゴシック" panose="020B0400000000000000" pitchFamily="34" charset="-128"/>
+                          <a:latin typeface="Hiragino Sans W3" panose="020B0400000000000000" pitchFamily="34" charset="-128"/>
+                          <a:ea typeface="Hiragino Sans W3" panose="020B0400000000000000" pitchFamily="34" charset="-128"/>
                         </a:rPr>
                         <a:t>1.0</a:t>
                       </a:r>
@@ -10260,10 +10597,16 @@
                     <a:lstStyle/>
                     <a:p>
                       <a:r>
-                        <a:rPr kumimoji="1" lang="en-US" altLang="ja-JP" sz="4000" dirty="0"/>
+                        <a:rPr kumimoji="1" lang="en-US" altLang="ja-JP" sz="3600" b="0" i="0" dirty="0">
+                          <a:latin typeface="Hiragino Sans W3" panose="020B0400000000000000" pitchFamily="34" charset="-128"/>
+                          <a:ea typeface="Hiragino Sans W3" panose="020B0400000000000000" pitchFamily="34" charset="-128"/>
+                        </a:rPr>
                         <a:t>IB-AFM</a:t>
                       </a:r>
-                      <a:endParaRPr kumimoji="1" lang="ja-JP" altLang="en-US" sz="4000"/>
+                      <a:endParaRPr kumimoji="1" lang="ja-JP" altLang="en-US" sz="3600" b="0" i="0">
+                        <a:latin typeface="Hiragino Sans W3" panose="020B0400000000000000" pitchFamily="34" charset="-128"/>
+                        <a:ea typeface="Hiragino Sans W3" panose="020B0400000000000000" pitchFamily="34" charset="-128"/>
+                      </a:endParaRPr>
                     </a:p>
                   </a:txBody>
                   <a:tcPr anchor="ctr"/>
@@ -10274,11 +10617,17 @@
                     <a:lstStyle/>
                     <a:p>
                       <a:r>
-                        <a:rPr kumimoji="1" lang="en-US" altLang="ja-JP" sz="4000" dirty="0"/>
+                        <a:rPr kumimoji="1" lang="en-US" altLang="ja-JP" sz="3600" b="0" i="0" dirty="0">
+                          <a:latin typeface="Hiragino Sans W3" panose="020B0400000000000000" pitchFamily="34" charset="-128"/>
+                          <a:ea typeface="Hiragino Sans W3" panose="020B0400000000000000" pitchFamily="34" charset="-128"/>
+                        </a:rPr>
                         <a:t>10</a:t>
                       </a:r>
                       <a:r>
-                        <a:rPr kumimoji="1" lang="ja-JP" altLang="en-US" sz="4000"/>
+                        <a:rPr kumimoji="1" lang="ja-JP" altLang="en-US" sz="3600" b="0" i="0">
+                          <a:latin typeface="Hiragino Sans W3" panose="020B0400000000000000" pitchFamily="34" charset="-128"/>
+                          <a:ea typeface="Hiragino Sans W3" panose="020B0400000000000000" pitchFamily="34" charset="-128"/>
+                        </a:rPr>
                         <a:t>次元</a:t>
                       </a:r>
                     </a:p>
@@ -10292,15 +10641,15 @@
                     <a:p>
                       <a:pPr algn="r" fontAlgn="ctr"/>
                       <a:r>
-                        <a:rPr lang="en-US" altLang="ja-JP" sz="4000" b="0" i="0" u="none" strike="noStrike" dirty="0">
+                        <a:rPr lang="en-US" altLang="ja-JP" sz="3600" b="0" i="0" u="none" strike="noStrike" dirty="0">
                           <a:solidFill>
                             <a:srgbClr val="000000"/>
                           </a:solidFill>
                           <a:effectLst/>
-                          <a:latin typeface="游ゴシック" panose="020B0400000000000000" pitchFamily="34" charset="-128"/>
-                          <a:ea typeface="游ゴシック" panose="020B0400000000000000" pitchFamily="34" charset="-128"/>
+                          <a:latin typeface="Hiragino Sans W3" panose="020B0400000000000000" pitchFamily="34" charset="-128"/>
+                          <a:ea typeface="Hiragino Sans W3" panose="020B0400000000000000" pitchFamily="34" charset="-128"/>
                         </a:rPr>
-                        <a:t>0.6</a:t>
+                        <a:t>0.47</a:t>
                       </a:r>
                     </a:p>
                   </a:txBody>
@@ -10313,13 +10662,13 @@
                     <a:p>
                       <a:pPr algn="r" fontAlgn="ctr"/>
                       <a:r>
-                        <a:rPr lang="en-US" altLang="ja-JP" sz="4000" b="0" i="0" u="none" strike="noStrike" dirty="0">
+                        <a:rPr lang="en-US" altLang="ja-JP" sz="3600" b="0" i="0" u="none" strike="noStrike" dirty="0">
                           <a:solidFill>
                             <a:srgbClr val="000000"/>
                           </a:solidFill>
                           <a:effectLst/>
-                          <a:latin typeface="游ゴシック" panose="020B0400000000000000" pitchFamily="34" charset="-128"/>
-                          <a:ea typeface="游ゴシック" panose="020B0400000000000000" pitchFamily="34" charset="-128"/>
+                          <a:latin typeface="Hiragino Sans W3" panose="020B0400000000000000" pitchFamily="34" charset="-128"/>
+                          <a:ea typeface="Hiragino Sans W3" panose="020B0400000000000000" pitchFamily="34" charset="-128"/>
                         </a:rPr>
                         <a:t>-0.47</a:t>
                       </a:r>
@@ -10334,55 +10683,13 @@
                     <a:p>
                       <a:pPr algn="r" fontAlgn="ctr"/>
                       <a:r>
-                        <a:rPr lang="en-US" altLang="ja-JP" sz="4000" b="0" i="0" u="none" strike="noStrike" dirty="0">
+                        <a:rPr lang="en-US" altLang="ja-JP" sz="3600" b="0" i="0" u="none" strike="noStrike" dirty="0">
                           <a:solidFill>
                             <a:srgbClr val="000000"/>
                           </a:solidFill>
                           <a:effectLst/>
-                          <a:latin typeface="游ゴシック" panose="020B0400000000000000" pitchFamily="34" charset="-128"/>
-                          <a:ea typeface="游ゴシック" panose="020B0400000000000000" pitchFamily="34" charset="-128"/>
-                        </a:rPr>
-                        <a:t>1.0</a:t>
-                      </a:r>
-                    </a:p>
-                  </a:txBody>
-                  <a:tcPr marL="9525" marR="9525" marT="9525" marB="0" anchor="ctr"/>
-                </a:tc>
-                <a:tc>
-                  <a:txBody>
-                    <a:bodyPr/>
-                    <a:lstStyle/>
-                    <a:p>
-                      <a:pPr algn="r" fontAlgn="ctr"/>
-                      <a:r>
-                        <a:rPr lang="en-US" altLang="ja-JP" sz="4000" b="0" i="0" u="none" strike="noStrike" dirty="0">
-                          <a:solidFill>
-                            <a:srgbClr val="000000"/>
-                          </a:solidFill>
-                          <a:effectLst/>
-                          <a:latin typeface="游ゴシック" panose="020B0400000000000000" pitchFamily="34" charset="-128"/>
-                          <a:ea typeface="游ゴシック" panose="020B0400000000000000" pitchFamily="34" charset="-128"/>
-                        </a:rPr>
-                        <a:t>-0.2</a:t>
-                      </a:r>
-                    </a:p>
-                  </a:txBody>
-                  <a:tcPr marL="9525" marR="9525" marT="9525" marB="0" anchor="ctr"/>
-                </a:tc>
-                <a:tc>
-                  <a:txBody>
-                    <a:bodyPr/>
-                    <a:lstStyle/>
-                    <a:p>
-                      <a:pPr algn="r" fontAlgn="ctr"/>
-                      <a:r>
-                        <a:rPr lang="en-US" altLang="ja-JP" sz="4000" b="0" i="0" u="none" strike="noStrike" dirty="0">
-                          <a:solidFill>
-                            <a:srgbClr val="000000"/>
-                          </a:solidFill>
-                          <a:effectLst/>
-                          <a:latin typeface="游ゴシック" panose="020B0400000000000000" pitchFamily="34" charset="-128"/>
-                          <a:ea typeface="游ゴシック" panose="020B0400000000000000" pitchFamily="34" charset="-128"/>
+                          <a:latin typeface="Hiragino Sans W3" panose="020B0400000000000000" pitchFamily="34" charset="-128"/>
+                          <a:ea typeface="Hiragino Sans W3" panose="020B0400000000000000" pitchFamily="34" charset="-128"/>
                         </a:rPr>
                         <a:t>0.87</a:t>
                       </a:r>
@@ -10397,13 +10704,55 @@
                     <a:p>
                       <a:pPr algn="r" fontAlgn="ctr"/>
                       <a:r>
-                        <a:rPr lang="en-US" altLang="ja-JP" sz="4000" b="0" i="0" u="none" strike="noStrike" dirty="0">
+                        <a:rPr lang="en-US" altLang="ja-JP" sz="3600" b="0" i="0" u="none" strike="noStrike" dirty="0">
                           <a:solidFill>
                             <a:srgbClr val="000000"/>
                           </a:solidFill>
                           <a:effectLst/>
-                          <a:latin typeface="游ゴシック" panose="020B0400000000000000" pitchFamily="34" charset="-128"/>
-                          <a:ea typeface="游ゴシック" panose="020B0400000000000000" pitchFamily="34" charset="-128"/>
+                          <a:latin typeface="Hiragino Sans W3" panose="020B0400000000000000" pitchFamily="34" charset="-128"/>
+                          <a:ea typeface="Hiragino Sans W3" panose="020B0400000000000000" pitchFamily="34" charset="-128"/>
+                        </a:rPr>
+                        <a:t>-0.47</a:t>
+                      </a:r>
+                    </a:p>
+                  </a:txBody>
+                  <a:tcPr marL="9525" marR="9525" marT="9525" marB="0" anchor="ctr"/>
+                </a:tc>
+                <a:tc>
+                  <a:txBody>
+                    <a:bodyPr/>
+                    <a:lstStyle/>
+                    <a:p>
+                      <a:pPr algn="r" fontAlgn="ctr"/>
+                      <a:r>
+                        <a:rPr lang="en-US" altLang="ja-JP" sz="3600" b="0" i="0" u="none" strike="noStrike" dirty="0">
+                          <a:solidFill>
+                            <a:srgbClr val="000000"/>
+                          </a:solidFill>
+                          <a:effectLst/>
+                          <a:latin typeface="Hiragino Sans W3" panose="020B0400000000000000" pitchFamily="34" charset="-128"/>
+                          <a:ea typeface="Hiragino Sans W3" panose="020B0400000000000000" pitchFamily="34" charset="-128"/>
+                        </a:rPr>
+                        <a:t>0.73</a:t>
+                      </a:r>
+                    </a:p>
+                  </a:txBody>
+                  <a:tcPr marL="9525" marR="9525" marT="9525" marB="0" anchor="ctr"/>
+                </a:tc>
+                <a:tc>
+                  <a:txBody>
+                    <a:bodyPr/>
+                    <a:lstStyle/>
+                    <a:p>
+                      <a:pPr algn="r" fontAlgn="ctr"/>
+                      <a:r>
+                        <a:rPr lang="en-US" altLang="ja-JP" sz="3600" b="0" i="0" u="none" strike="noStrike" dirty="0">
+                          <a:solidFill>
+                            <a:srgbClr val="000000"/>
+                          </a:solidFill>
+                          <a:effectLst/>
+                          <a:latin typeface="Hiragino Sans W3" panose="020B0400000000000000" pitchFamily="34" charset="-128"/>
+                          <a:ea typeface="Hiragino Sans W3" panose="020B0400000000000000" pitchFamily="34" charset="-128"/>
                         </a:rPr>
                         <a:t>0.47</a:t>
                       </a:r>
@@ -10434,11 +10783,17 @@
                     <a:lstStyle/>
                     <a:p>
                       <a:r>
-                        <a:rPr kumimoji="1" lang="en-US" altLang="ja-JP" sz="4000" dirty="0"/>
+                        <a:rPr kumimoji="1" lang="en-US" altLang="ja-JP" sz="3600" b="0" i="0" dirty="0">
+                          <a:latin typeface="Hiragino Sans W3" panose="020B0400000000000000" pitchFamily="34" charset="-128"/>
+                          <a:ea typeface="Hiragino Sans W3" panose="020B0400000000000000" pitchFamily="34" charset="-128"/>
+                        </a:rPr>
                         <a:t>30</a:t>
                       </a:r>
                       <a:r>
-                        <a:rPr kumimoji="1" lang="ja-JP" altLang="en-US" sz="4000"/>
+                        <a:rPr kumimoji="1" lang="ja-JP" altLang="en-US" sz="3600" b="0" i="0">
+                          <a:latin typeface="Hiragino Sans W3" panose="020B0400000000000000" pitchFamily="34" charset="-128"/>
+                          <a:ea typeface="Hiragino Sans W3" panose="020B0400000000000000" pitchFamily="34" charset="-128"/>
+                        </a:rPr>
                         <a:t>次元</a:t>
                       </a:r>
                     </a:p>
@@ -10452,13 +10807,55 @@
                     <a:p>
                       <a:pPr algn="r" fontAlgn="ctr"/>
                       <a:r>
-                        <a:rPr lang="en-US" altLang="ja-JP" sz="4000" b="0" i="0" u="none" strike="noStrike" dirty="0">
+                        <a:rPr lang="en-US" altLang="ja-JP" sz="3600" b="0" i="0" u="none" strike="noStrike" dirty="0">
                           <a:solidFill>
                             <a:srgbClr val="000000"/>
                           </a:solidFill>
                           <a:effectLst/>
-                          <a:latin typeface="游ゴシック" panose="020B0400000000000000" pitchFamily="34" charset="-128"/>
-                          <a:ea typeface="游ゴシック" panose="020B0400000000000000" pitchFamily="34" charset="-128"/>
+                          <a:latin typeface="Hiragino Sans W3" panose="020B0400000000000000" pitchFamily="34" charset="-128"/>
+                          <a:ea typeface="Hiragino Sans W3" panose="020B0400000000000000" pitchFamily="34" charset="-128"/>
+                        </a:rPr>
+                        <a:t>0.87</a:t>
+                      </a:r>
+                    </a:p>
+                  </a:txBody>
+                  <a:tcPr marL="9525" marR="9525" marT="9525" marB="0" anchor="ctr"/>
+                </a:tc>
+                <a:tc>
+                  <a:txBody>
+                    <a:bodyPr/>
+                    <a:lstStyle/>
+                    <a:p>
+                      <a:pPr algn="r" fontAlgn="ctr"/>
+                      <a:r>
+                        <a:rPr lang="en-US" altLang="ja-JP" sz="3600" b="0" i="0" u="none" strike="noStrike" dirty="0">
+                          <a:solidFill>
+                            <a:srgbClr val="000000"/>
+                          </a:solidFill>
+                          <a:effectLst/>
+                          <a:latin typeface="Hiragino Sans W3" panose="020B0400000000000000" pitchFamily="34" charset="-128"/>
+                          <a:ea typeface="Hiragino Sans W3" panose="020B0400000000000000" pitchFamily="34" charset="-128"/>
+                        </a:rPr>
+                        <a:t>-0.73</a:t>
+                      </a:r>
+                    </a:p>
+                  </a:txBody>
+                  <a:tcPr marL="9525" marR="9525" marT="9525" marB="0" anchor="ctr"/>
+                </a:tc>
+                <a:tc>
+                  <a:txBody>
+                    <a:bodyPr/>
+                    <a:lstStyle/>
+                    <a:p>
+                      <a:pPr algn="r" fontAlgn="ctr"/>
+                      <a:r>
+                        <a:rPr lang="en-US" altLang="ja-JP" sz="3600" b="0" i="0" u="none" strike="noStrike" dirty="0">
+                          <a:solidFill>
+                            <a:srgbClr val="000000"/>
+                          </a:solidFill>
+                          <a:effectLst/>
+                          <a:latin typeface="Hiragino Sans W3" panose="020B0400000000000000" pitchFamily="34" charset="-128"/>
+                          <a:ea typeface="Hiragino Sans W3" panose="020B0400000000000000" pitchFamily="34" charset="-128"/>
                         </a:rPr>
                         <a:t>1.0</a:t>
                       </a:r>
@@ -10473,15 +10870,15 @@
                     <a:p>
                       <a:pPr algn="r" fontAlgn="ctr"/>
                       <a:r>
-                        <a:rPr lang="en-US" altLang="ja-JP" sz="4000" b="0" i="0" u="none" strike="noStrike" dirty="0">
+                        <a:rPr lang="en-US" altLang="ja-JP" sz="3600" b="0" i="0" u="none" strike="noStrike" dirty="0">
                           <a:solidFill>
                             <a:srgbClr val="000000"/>
                           </a:solidFill>
                           <a:effectLst/>
-                          <a:latin typeface="游ゴシック" panose="020B0400000000000000" pitchFamily="34" charset="-128"/>
-                          <a:ea typeface="游ゴシック" panose="020B0400000000000000" pitchFamily="34" charset="-128"/>
+                          <a:latin typeface="Hiragino Sans W3" panose="020B0400000000000000" pitchFamily="34" charset="-128"/>
+                          <a:ea typeface="Hiragino Sans W3" panose="020B0400000000000000" pitchFamily="34" charset="-128"/>
                         </a:rPr>
-                        <a:t>-0.47</a:t>
+                        <a:t>0.6</a:t>
                       </a:r>
                     </a:p>
                   </a:txBody>
@@ -10494,15 +10891,15 @@
                     <a:p>
                       <a:pPr algn="r" fontAlgn="ctr"/>
                       <a:r>
-                        <a:rPr lang="en-US" altLang="ja-JP" sz="4000" b="0" i="0" u="none" strike="noStrike" dirty="0">
+                        <a:rPr lang="en-US" altLang="ja-JP" sz="3600" b="0" i="0" u="none" strike="noStrike" dirty="0">
                           <a:solidFill>
                             <a:srgbClr val="000000"/>
                           </a:solidFill>
                           <a:effectLst/>
-                          <a:latin typeface="游ゴシック" panose="020B0400000000000000" pitchFamily="34" charset="-128"/>
-                          <a:ea typeface="游ゴシック" panose="020B0400000000000000" pitchFamily="34" charset="-128"/>
+                          <a:latin typeface="Hiragino Sans W3" panose="020B0400000000000000" pitchFamily="34" charset="-128"/>
+                          <a:ea typeface="Hiragino Sans W3" panose="020B0400000000000000" pitchFamily="34" charset="-128"/>
                         </a:rPr>
-                        <a:t>0.87</a:t>
+                        <a:t>0.6</a:t>
                       </a:r>
                     </a:p>
                   </a:txBody>
@@ -10515,55 +10912,13 @@
                     <a:p>
                       <a:pPr algn="r" fontAlgn="ctr"/>
                       <a:r>
-                        <a:rPr lang="en-US" altLang="ja-JP" sz="4000" b="0" i="0" u="none" strike="noStrike" dirty="0">
+                        <a:rPr lang="en-US" altLang="ja-JP" sz="3600" b="0" i="0" u="none" strike="noStrike" dirty="0">
                           <a:solidFill>
                             <a:srgbClr val="000000"/>
                           </a:solidFill>
                           <a:effectLst/>
-                          <a:latin typeface="游ゴシック" panose="020B0400000000000000" pitchFamily="34" charset="-128"/>
-                          <a:ea typeface="游ゴシック" panose="020B0400000000000000" pitchFamily="34" charset="-128"/>
-                        </a:rPr>
-                        <a:t>1.0</a:t>
-                      </a:r>
-                    </a:p>
-                  </a:txBody>
-                  <a:tcPr marL="9525" marR="9525" marT="9525" marB="0" anchor="ctr"/>
-                </a:tc>
-                <a:tc>
-                  <a:txBody>
-                    <a:bodyPr/>
-                    <a:lstStyle/>
-                    <a:p>
-                      <a:pPr algn="r" fontAlgn="ctr"/>
-                      <a:r>
-                        <a:rPr lang="en-US" altLang="ja-JP" sz="4000" b="0" i="0" u="none" strike="noStrike" dirty="0">
-                          <a:solidFill>
-                            <a:srgbClr val="000000"/>
-                          </a:solidFill>
-                          <a:effectLst/>
-                          <a:latin typeface="游ゴシック" panose="020B0400000000000000" pitchFamily="34" charset="-128"/>
-                          <a:ea typeface="游ゴシック" panose="020B0400000000000000" pitchFamily="34" charset="-128"/>
-                        </a:rPr>
-                        <a:t>1.0</a:t>
-                      </a:r>
-                    </a:p>
-                  </a:txBody>
-                  <a:tcPr marL="9525" marR="9525" marT="9525" marB="0" anchor="ctr"/>
-                </a:tc>
-                <a:tc>
-                  <a:txBody>
-                    <a:bodyPr/>
-                    <a:lstStyle/>
-                    <a:p>
-                      <a:pPr algn="r" fontAlgn="ctr"/>
-                      <a:r>
-                        <a:rPr lang="en-US" altLang="ja-JP" sz="4000" b="0" i="0" u="none" strike="noStrike" dirty="0">
-                          <a:solidFill>
-                            <a:srgbClr val="000000"/>
-                          </a:solidFill>
-                          <a:effectLst/>
-                          <a:latin typeface="游ゴシック" panose="020B0400000000000000" pitchFamily="34" charset="-128"/>
-                          <a:ea typeface="游ゴシック" panose="020B0400000000000000" pitchFamily="34" charset="-128"/>
+                          <a:latin typeface="Hiragino Sans W3" panose="020B0400000000000000" pitchFamily="34" charset="-128"/>
+                          <a:ea typeface="Hiragino Sans W3" panose="020B0400000000000000" pitchFamily="34" charset="-128"/>
                         </a:rPr>
                         <a:t>1.0</a:t>
                       </a:r>
@@ -11218,231 +11573,6 @@
               </a:rPr>
               <a:t>ほとんど相関はない</a:t>
             </a:r>
-          </a:p>
-        </p:txBody>
-      </p:sp>
-      <p:sp>
-        <p:nvSpPr>
-          <p:cNvPr id="106" name="テキスト ボックス 105">
-            <a:extLst>
-              <a:ext uri="{FF2B5EF4-FFF2-40B4-BE49-F238E27FC236}">
-                <a16:creationId xmlns:a16="http://schemas.microsoft.com/office/drawing/2014/main" id="{D809AF91-9DF1-319C-2B2C-5C72877F5316}"/>
-              </a:ext>
-            </a:extLst>
-          </p:cNvPr>
-          <p:cNvSpPr txBox="1"/>
-          <p:nvPr/>
-        </p:nvSpPr>
-        <p:spPr>
-          <a:xfrm>
-            <a:off x="784255" y="27185676"/>
-            <a:ext cx="15391449" cy="4093428"/>
-          </a:xfrm>
-          <a:prstGeom prst="rect">
-            <a:avLst/>
-          </a:prstGeom>
-          <a:noFill/>
-        </p:spPr>
-        <p:txBody>
-          <a:bodyPr wrap="square" rtlCol="0">
-            <a:spAutoFit/>
-          </a:bodyPr>
-          <a:lstStyle/>
-          <a:p>
-            <a:r>
-              <a:rPr kumimoji="1" lang="en-US" altLang="ja-JP" sz="4400" dirty="0">
-                <a:solidFill>
-                  <a:schemeClr val="accent5">
-                    <a:lumMod val="75000"/>
-                  </a:schemeClr>
-                </a:solidFill>
-                <a:latin typeface="メイリオ" panose="020B0604030504040204" pitchFamily="50" charset="-128"/>
-                <a:ea typeface="メイリオ" panose="020B0604030504040204" pitchFamily="50" charset="-128"/>
-              </a:rPr>
-              <a:t>▍</a:t>
-            </a:r>
-            <a:r>
-              <a:rPr kumimoji="1" lang="en-US" altLang="ja-JP" sz="4000" dirty="0">
-                <a:solidFill>
-                  <a:schemeClr val="tx1">
-                    <a:lumMod val="85000"/>
-                    <a:lumOff val="15000"/>
-                  </a:schemeClr>
-                </a:solidFill>
-                <a:latin typeface="Hiragino Sans W5" panose="020B0400000000000000" pitchFamily="34" charset="-128"/>
-                <a:ea typeface="Hiragino Sans W5" panose="020B0400000000000000" pitchFamily="34" charset="-128"/>
-              </a:rPr>
-              <a:t>PS-CM</a:t>
-            </a:r>
-          </a:p>
-          <a:p>
-            <a:pPr marL="571500" indent="-571500">
-              <a:buFont typeface="Arial" panose="020B0604020202020204" pitchFamily="34" charset="0"/>
-              <a:buChar char="•"/>
-            </a:pPr>
-            <a:r>
-              <a:rPr kumimoji="1" lang="ja-JP" altLang="en-US" sz="3600">
-                <a:solidFill>
-                  <a:schemeClr val="tx1">
-                    <a:lumMod val="85000"/>
-                    <a:lumOff val="15000"/>
-                  </a:schemeClr>
-                </a:solidFill>
-                <a:latin typeface="Hiragino Sans W5" panose="020B0400000000000000" pitchFamily="34" charset="-128"/>
-                <a:ea typeface="Hiragino Sans W5" panose="020B0400000000000000" pitchFamily="34" charset="-128"/>
-              </a:rPr>
-              <a:t>単峰性，多峰性，混合の全ての関数形状に対してサロゲートの精度が高いほど探索性能が高い傾向が見られた</a:t>
-            </a:r>
-            <a:endParaRPr kumimoji="1" lang="en-US" altLang="ja-JP" sz="3600" dirty="0">
-              <a:solidFill>
-                <a:schemeClr val="tx1">
-                  <a:lumMod val="85000"/>
-                  <a:lumOff val="15000"/>
-                </a:schemeClr>
-              </a:solidFill>
-              <a:latin typeface="Hiragino Sans W5" panose="020B0400000000000000" pitchFamily="34" charset="-128"/>
-              <a:ea typeface="Hiragino Sans W5" panose="020B0400000000000000" pitchFamily="34" charset="-128"/>
-            </a:endParaRPr>
-          </a:p>
-          <a:p>
-            <a:pPr marL="571500" indent="-571500">
-              <a:buFont typeface="Arial" panose="020B0604020202020204" pitchFamily="34" charset="0"/>
-              <a:buChar char="•"/>
-            </a:pPr>
-            <a:r>
-              <a:rPr kumimoji="1" lang="ja-JP" altLang="en-US" sz="3600">
-                <a:solidFill>
-                  <a:schemeClr val="tx1">
-                    <a:lumMod val="85000"/>
-                    <a:lumOff val="15000"/>
-                  </a:schemeClr>
-                </a:solidFill>
-                <a:latin typeface="Hiragino Sans W5" panose="020B0400000000000000" pitchFamily="34" charset="-128"/>
-                <a:ea typeface="Hiragino Sans W5" panose="020B0400000000000000" pitchFamily="34" charset="-128"/>
-              </a:rPr>
-              <a:t>精度が</a:t>
-            </a:r>
-            <a:r>
-              <a:rPr kumimoji="1" lang="en-US" altLang="ja-JP" sz="3600" dirty="0">
-                <a:solidFill>
-                  <a:schemeClr val="tx1">
-                    <a:lumMod val="85000"/>
-                    <a:lumOff val="15000"/>
-                  </a:schemeClr>
-                </a:solidFill>
-                <a:latin typeface="Hiragino Sans W5" panose="020B0400000000000000" pitchFamily="34" charset="-128"/>
-                <a:ea typeface="Hiragino Sans W5" panose="020B0400000000000000" pitchFamily="34" charset="-128"/>
-              </a:rPr>
-              <a:t>0.5</a:t>
-            </a:r>
-            <a:r>
-              <a:rPr kumimoji="1" lang="ja-JP" altLang="en-US" sz="3600">
-                <a:solidFill>
-                  <a:schemeClr val="tx1">
-                    <a:lumMod val="85000"/>
-                    <a:lumOff val="15000"/>
-                  </a:schemeClr>
-                </a:solidFill>
-                <a:latin typeface="Hiragino Sans W5" panose="020B0400000000000000" pitchFamily="34" charset="-128"/>
-                <a:ea typeface="Hiragino Sans W5" panose="020B0400000000000000" pitchFamily="34" charset="-128"/>
-              </a:rPr>
-              <a:t>の場合</a:t>
-            </a:r>
-            <a:r>
-              <a:rPr kumimoji="1" lang="en-US" altLang="ja-JP" sz="3600" dirty="0" err="1">
-                <a:solidFill>
-                  <a:schemeClr val="tx1">
-                    <a:lumMod val="85000"/>
-                    <a:lumOff val="15000"/>
-                  </a:schemeClr>
-                </a:solidFill>
-                <a:latin typeface="Hiragino Sans W5" panose="020B0400000000000000" pitchFamily="34" charset="-128"/>
-                <a:ea typeface="Hiragino Sans W5" panose="020B0400000000000000" pitchFamily="34" charset="-128"/>
-              </a:rPr>
-              <a:t>NoS</a:t>
-            </a:r>
-            <a:r>
-              <a:rPr kumimoji="1" lang="ja-JP" altLang="en-US" sz="3600">
-                <a:solidFill>
-                  <a:schemeClr val="tx1">
-                    <a:lumMod val="85000"/>
-                    <a:lumOff val="15000"/>
-                  </a:schemeClr>
-                </a:solidFill>
-                <a:latin typeface="Hiragino Sans W5" panose="020B0400000000000000" pitchFamily="34" charset="-128"/>
-                <a:ea typeface="Hiragino Sans W5" panose="020B0400000000000000" pitchFamily="34" charset="-128"/>
-              </a:rPr>
-              <a:t>の探索性能と同等か，劣る性能を示す</a:t>
-            </a:r>
-            <a:endParaRPr kumimoji="1" lang="en-US" altLang="ja-JP" sz="3600" dirty="0">
-              <a:solidFill>
-                <a:schemeClr val="tx1">
-                  <a:lumMod val="85000"/>
-                  <a:lumOff val="15000"/>
-                </a:schemeClr>
-              </a:solidFill>
-              <a:latin typeface="Hiragino Sans W5" panose="020B0400000000000000" pitchFamily="34" charset="-128"/>
-              <a:ea typeface="Hiragino Sans W5" panose="020B0400000000000000" pitchFamily="34" charset="-128"/>
-            </a:endParaRPr>
-          </a:p>
-          <a:p>
-            <a:pPr marL="571500" indent="-571500">
-              <a:buFont typeface="Arial" panose="020B0604020202020204" pitchFamily="34" charset="0"/>
-              <a:buChar char="•"/>
-            </a:pPr>
-            <a:r>
-              <a:rPr kumimoji="1" lang="ja-JP" altLang="en-US" sz="3600">
-                <a:latin typeface="Hiragino Sans W5" panose="020B0400000000000000" pitchFamily="34" charset="-128"/>
-                <a:ea typeface="Hiragino Sans W5" panose="020B0400000000000000" pitchFamily="34" charset="-128"/>
-              </a:rPr>
-              <a:t>精度</a:t>
-            </a:r>
-            <a:r>
-              <a:rPr kumimoji="1" lang="en-US" altLang="ja-JP" sz="3600" dirty="0">
-                <a:latin typeface="Hiragino Sans W5" panose="020B0400000000000000" pitchFamily="34" charset="-128"/>
-                <a:ea typeface="Hiragino Sans W5" panose="020B0400000000000000" pitchFamily="34" charset="-128"/>
-              </a:rPr>
-              <a:t>0.5 →</a:t>
-            </a:r>
-            <a:r>
-              <a:rPr kumimoji="1" lang="ja-JP" altLang="en-US" sz="3600">
-                <a:latin typeface="Hiragino Sans W5" panose="020B0400000000000000" pitchFamily="34" charset="-128"/>
-                <a:ea typeface="Hiragino Sans W5" panose="020B0400000000000000" pitchFamily="34" charset="-128"/>
-              </a:rPr>
-              <a:t> 半分の確率で予測を間違う</a:t>
-            </a:r>
-            <a:r>
-              <a:rPr kumimoji="1" lang="en-US" altLang="ja-JP" sz="3600" dirty="0">
-                <a:latin typeface="Hiragino Sans W5" panose="020B0400000000000000" pitchFamily="34" charset="-128"/>
-                <a:ea typeface="Hiragino Sans W5" panose="020B0400000000000000" pitchFamily="34" charset="-128"/>
-              </a:rPr>
-              <a:t> →</a:t>
-            </a:r>
-            <a:r>
-              <a:rPr kumimoji="1" lang="ja-JP" altLang="en-US" sz="3600">
-                <a:latin typeface="Hiragino Sans W5" panose="020B0400000000000000" pitchFamily="34" charset="-128"/>
-                <a:ea typeface="Hiragino Sans W5" panose="020B0400000000000000" pitchFamily="34" charset="-128"/>
-              </a:rPr>
-              <a:t> </a:t>
-            </a:r>
-            <a:r>
-              <a:rPr kumimoji="1" lang="en-US" altLang="ja-JP" sz="3600" dirty="0" err="1">
-                <a:latin typeface="Hiragino Sans W5" panose="020B0400000000000000" pitchFamily="34" charset="-128"/>
-                <a:ea typeface="Hiragino Sans W5" panose="020B0400000000000000" pitchFamily="34" charset="-128"/>
-              </a:rPr>
-              <a:t>NoS</a:t>
-            </a:r>
-            <a:r>
-              <a:rPr kumimoji="1" lang="ja-JP" altLang="en-US" sz="3600">
-                <a:latin typeface="Hiragino Sans W5" panose="020B0400000000000000" pitchFamily="34" charset="-128"/>
-                <a:ea typeface="Hiragino Sans W5" panose="020B0400000000000000" pitchFamily="34" charset="-128"/>
-              </a:rPr>
-              <a:t>も生成される子個体がほぼ半数の確率で親よりも優れる可能性があると仮定すると同様の探索になるのではないか</a:t>
-            </a:r>
-            <a:endParaRPr kumimoji="1" lang="en-US" altLang="ja-JP" sz="3600" dirty="0">
-              <a:latin typeface="Hiragino Sans W5" panose="020B0400000000000000" pitchFamily="34" charset="-128"/>
-              <a:ea typeface="Hiragino Sans W5" panose="020B0400000000000000" pitchFamily="34" charset="-128"/>
-            </a:endParaRPr>
           </a:p>
         </p:txBody>
       </p:sp>
